--- a/Material Complementario/Just Eats CR.pptx
+++ b/Material Complementario/Just Eats CR.pptx
@@ -9317,19 +9317,6 @@
                 <a:latin typeface="Arial" panose="020B0604020202020204" pitchFamily="34" charset="0"/>
                 <a:cs typeface="Arial" panose="020B0604020202020204" pitchFamily="34" charset="0"/>
               </a:rPr>
-              <a:t>Información de Usuario.</a:t>
-            </a:r>
-          </a:p>
-          <a:p>
-            <a:pPr marL="571500" lvl="1" indent="-342900">
-              <a:buFont typeface="+mj-lt"/>
-              <a:buAutoNum type="arabicPeriod"/>
-            </a:pPr>
-            <a:r>
-              <a:rPr lang="es-ES" sz="1400" dirty="0">
-                <a:latin typeface="Arial" panose="020B0604020202020204" pitchFamily="34" charset="0"/>
-                <a:cs typeface="Arial" panose="020B0604020202020204" pitchFamily="34" charset="0"/>
-              </a:rPr>
               <a:t>Cerrar Sesión.</a:t>
             </a:r>
           </a:p>
@@ -10623,23 +10610,6 @@
 </file>
 
 <file path=customXml/item1.xml><?xml version="1.0" encoding="utf-8"?>
-<p:properties xmlns:p="http://schemas.microsoft.com/office/2006/metadata/properties" xmlns:xsi="http://www.w3.org/2001/XMLSchema-instance" xmlns:pc="http://schemas.microsoft.com/office/infopath/2007/PartnerControls">
-  <documentManagement>
-    <MediaServiceKeyPoints xmlns="71af3243-3dd4-4a8d-8c0d-dd76da1f02a5" xsi:nil="true"/>
-  </documentManagement>
-</p:properties>
-</file>
-
-<file path=customXml/item2.xml><?xml version="1.0" encoding="utf-8"?>
-<?mso-contentType ?>
-<FormTemplates xmlns="http://schemas.microsoft.com/sharepoint/v3/contenttype/forms">
-  <Display>DocumentLibraryForm</Display>
-  <Edit>DocumentLibraryForm</Edit>
-  <New>DocumentLibraryForm</New>
-</FormTemplates>
-</file>
-
-<file path=customXml/item3.xml><?xml version="1.0" encoding="utf-8"?>
 <ct:contentTypeSchema xmlns:ct="http://schemas.microsoft.com/office/2006/metadata/contentType" xmlns:ma="http://schemas.microsoft.com/office/2006/metadata/properties/metaAttributes" ct:_="" ma:_="" ma:contentTypeName="Document" ma:contentTypeID="0x01010079F111ED35F8CC479449609E8A0923A6" ma:contentTypeVersion="11" ma:contentTypeDescription="Create a new document." ma:contentTypeScope="" ma:versionID="1c2eb7a32e66fb6e4260f3771546a5e2">
   <xsd:schema xmlns:xsd="http://www.w3.org/2001/XMLSchema" xmlns:xs="http://www.w3.org/2001/XMLSchema" xmlns:p="http://schemas.microsoft.com/office/2006/metadata/properties" xmlns:ns2="71af3243-3dd4-4a8d-8c0d-dd76da1f02a5" xmlns:ns3="16c05727-aa75-4e4a-9b5f-8a80a1165891" targetNamespace="http://schemas.microsoft.com/office/2006/metadata/properties" ma:root="true" ma:fieldsID="04e1f6479c48b08974ba73b5ca973489" ns2:_="" ns3:_="">
     <xsd:import namespace="71af3243-3dd4-4a8d-8c0d-dd76da1f02a5"/>
@@ -10850,25 +10820,24 @@
 </ct:contentTypeSchema>
 </file>
 
-<file path=customXml/itemProps1.xml><?xml version="1.0" encoding="utf-8"?>
-<ds:datastoreItem xmlns:ds="http://schemas.openxmlformats.org/officeDocument/2006/customXml" ds:itemID="{620ED59B-F67D-4B99-A0A7-E5237FF58100}">
-  <ds:schemaRefs>
-    <ds:schemaRef ds:uri="http://schemas.microsoft.com/office/2006/metadata/properties"/>
-    <ds:schemaRef ds:uri="http://schemas.microsoft.com/office/infopath/2007/PartnerControls"/>
-    <ds:schemaRef ds:uri="71af3243-3dd4-4a8d-8c0d-dd76da1f02a5"/>
-  </ds:schemaRefs>
-</ds:datastoreItem>
+<file path=customXml/item2.xml><?xml version="1.0" encoding="utf-8"?>
+<?mso-contentType ?>
+<FormTemplates xmlns="http://schemas.microsoft.com/sharepoint/v3/contenttype/forms">
+  <Display>DocumentLibraryForm</Display>
+  <Edit>DocumentLibraryForm</Edit>
+  <New>DocumentLibraryForm</New>
+</FormTemplates>
 </file>
 
-<file path=customXml/itemProps2.xml><?xml version="1.0" encoding="utf-8"?>
-<ds:datastoreItem xmlns:ds="http://schemas.openxmlformats.org/officeDocument/2006/customXml" ds:itemID="{3E17AD15-0DEB-4851-82A2-261C041346DD}">
-  <ds:schemaRefs>
-    <ds:schemaRef ds:uri="http://schemas.microsoft.com/sharepoint/v3/contenttype/forms"/>
-  </ds:schemaRefs>
-</ds:datastoreItem>
+<file path=customXml/item3.xml><?xml version="1.0" encoding="utf-8"?>
+<p:properties xmlns:p="http://schemas.microsoft.com/office/2006/metadata/properties" xmlns:xsi="http://www.w3.org/2001/XMLSchema-instance" xmlns:pc="http://schemas.microsoft.com/office/infopath/2007/PartnerControls">
+  <documentManagement>
+    <MediaServiceKeyPoints xmlns="71af3243-3dd4-4a8d-8c0d-dd76da1f02a5" xsi:nil="true"/>
+  </documentManagement>
+</p:properties>
 </file>
 
-<file path=customXml/itemProps3.xml><?xml version="1.0" encoding="utf-8"?>
+<file path=customXml/itemProps1.xml><?xml version="1.0" encoding="utf-8"?>
 <ds:datastoreItem xmlns:ds="http://schemas.openxmlformats.org/officeDocument/2006/customXml" ds:itemID="{22736BCB-6CE4-414B-B2BE-1DA087E5215C}">
   <ds:schemaRefs>
     <ds:schemaRef ds:uri="http://schemas.microsoft.com/office/2006/metadata/contentType"/>
@@ -10885,4 +10854,22 @@
     <ds:schemaRef ds:uri="http://schemas.microsoft.com/internal/obd"/>
   </ds:schemaRefs>
 </ds:datastoreItem>
+</file>
+
+<file path=customXml/itemProps2.xml><?xml version="1.0" encoding="utf-8"?>
+<ds:datastoreItem xmlns:ds="http://schemas.openxmlformats.org/officeDocument/2006/customXml" ds:itemID="{3E17AD15-0DEB-4851-82A2-261C041346DD}">
+  <ds:schemaRefs>
+    <ds:schemaRef ds:uri="http://schemas.microsoft.com/sharepoint/v3/contenttype/forms"/>
+  </ds:schemaRefs>
+</ds:datastoreItem>
+</file>
+
+<file path=customXml/itemProps3.xml><?xml version="1.0" encoding="utf-8"?>
+<ds:datastoreItem xmlns:ds="http://schemas.openxmlformats.org/officeDocument/2006/customXml" ds:itemID="{620ED59B-F67D-4B99-A0A7-E5237FF58100}">
+  <ds:schemaRefs>
+    <ds:schemaRef ds:uri="http://schemas.microsoft.com/office/2006/metadata/properties"/>
+    <ds:schemaRef ds:uri="http://schemas.microsoft.com/office/infopath/2007/PartnerControls"/>
+    <ds:schemaRef ds:uri="71af3243-3dd4-4a8d-8c0d-dd76da1f02a5"/>
+  </ds:schemaRefs>
+</ds:datastoreItem>
 </file>
--- a/Material Complementario/Just Eats CR.pptx
+++ b/Material Complementario/Just Eats CR.pptx
@@ -5,19 +5,21 @@
     <p:sldMasterId id="2147483828" r:id="rId4"/>
   </p:sldMasterIdLst>
   <p:notesMasterIdLst>
-    <p:notesMasterId r:id="rId12"/>
+    <p:notesMasterId r:id="rId14"/>
   </p:notesMasterIdLst>
   <p:handoutMasterIdLst>
-    <p:handoutMasterId r:id="rId13"/>
+    <p:handoutMasterId r:id="rId15"/>
   </p:handoutMasterIdLst>
   <p:sldIdLst>
     <p:sldId id="256" r:id="rId5"/>
     <p:sldId id="257" r:id="rId6"/>
     <p:sldId id="259" r:id="rId7"/>
     <p:sldId id="258" r:id="rId8"/>
-    <p:sldId id="261" r:id="rId9"/>
-    <p:sldId id="262" r:id="rId10"/>
-    <p:sldId id="260" r:id="rId11"/>
+    <p:sldId id="263" r:id="rId9"/>
+    <p:sldId id="264" r:id="rId10"/>
+    <p:sldId id="265" r:id="rId11"/>
+    <p:sldId id="262" r:id="rId12"/>
+    <p:sldId id="260" r:id="rId13"/>
   </p:sldIdLst>
   <p:sldSz cx="12192000" cy="6858000"/>
   <p:notesSz cx="6858000" cy="9144000"/>
@@ -3530,7 +3532,7 @@
           <a:p>
             <a:fld id="{9544EA90-306F-45C7-8AEA-F0890CB16039}" type="datetime1">
               <a:rPr lang="es-ES" smtClean="0"/>
-              <a:t>28/04/2021</a:t>
+              <a:t>29/04/2021</a:t>
             </a:fld>
             <a:endParaRPr lang="es-ES" dirty="0"/>
           </a:p>
@@ -3696,7 +3698,7 @@
             <a:fld id="{2DA2A226-B20B-4D06-8640-8814B3489581}" type="datetime1">
               <a:rPr lang="es-ES" smtClean="0"/>
               <a:pPr/>
-              <a:t>28/04/2021</a:t>
+              <a:t>29/04/2021</a:t>
             </a:fld>
             <a:endParaRPr lang="es-ES" dirty="0"/>
           </a:p>
@@ -4373,7 +4375,7 @@
     </p:spTree>
     <p:extLst>
       <p:ext uri="{BB962C8B-B14F-4D97-AF65-F5344CB8AC3E}">
-        <p14:creationId xmlns:p14="http://schemas.microsoft.com/office/powerpoint/2010/main" val="570807551"/>
+        <p14:creationId xmlns:p14="http://schemas.microsoft.com/office/powerpoint/2010/main" val="2238877355"/>
       </p:ext>
     </p:extLst>
   </p:cSld>
@@ -4457,7 +4459,7 @@
     </p:spTree>
     <p:extLst>
       <p:ext uri="{BB962C8B-B14F-4D97-AF65-F5344CB8AC3E}">
-        <p14:creationId xmlns:p14="http://schemas.microsoft.com/office/powerpoint/2010/main" val="1176525224"/>
+        <p14:creationId xmlns:p14="http://schemas.microsoft.com/office/powerpoint/2010/main" val="2286163948"/>
       </p:ext>
     </p:extLst>
   </p:cSld>
@@ -4533,6 +4535,174 @@
             <a:fld id="{3583E773-7C4B-4260-8A45-886C6E4C8EB6}" type="slidenum">
               <a:rPr lang="es-ES" smtClean="0"/>
               <a:t>7</a:t>
+            </a:fld>
+            <a:endParaRPr lang="es-ES" dirty="0"/>
+          </a:p>
+        </p:txBody>
+      </p:sp>
+    </p:spTree>
+    <p:extLst>
+      <p:ext uri="{BB962C8B-B14F-4D97-AF65-F5344CB8AC3E}">
+        <p14:creationId xmlns:p14="http://schemas.microsoft.com/office/powerpoint/2010/main" val="562916980"/>
+      </p:ext>
+    </p:extLst>
+  </p:cSld>
+  <p:clrMapOvr>
+    <a:masterClrMapping/>
+  </p:clrMapOvr>
+</p:notes>
+</file>
+
+<file path=ppt/notesSlides/notesSlide8.xml><?xml version="1.0" encoding="utf-8"?>
+<p:notes xmlns:a="http://schemas.openxmlformats.org/drawingml/2006/main" xmlns:r="http://schemas.openxmlformats.org/officeDocument/2006/relationships" xmlns:p="http://schemas.openxmlformats.org/presentationml/2006/main">
+  <p:cSld>
+    <p:spTree>
+      <p:nvGrpSpPr>
+        <p:cNvPr id="1" name=""/>
+        <p:cNvGrpSpPr/>
+        <p:nvPr/>
+      </p:nvGrpSpPr>
+      <p:grpSpPr>
+        <a:xfrm>
+          <a:off x="0" y="0"/>
+          <a:ext cx="0" cy="0"/>
+          <a:chOff x="0" y="0"/>
+          <a:chExt cx="0" cy="0"/>
+        </a:xfrm>
+      </p:grpSpPr>
+      <p:sp>
+        <p:nvSpPr>
+          <p:cNvPr id="2" name="Marcador de imagen de diapositiva 1"/>
+          <p:cNvSpPr>
+            <a:spLocks noGrp="1" noRot="1" noChangeAspect="1"/>
+          </p:cNvSpPr>
+          <p:nvPr>
+            <p:ph type="sldImg"/>
+          </p:nvPr>
+        </p:nvSpPr>
+        <p:spPr/>
+      </p:sp>
+      <p:sp>
+        <p:nvSpPr>
+          <p:cNvPr id="3" name="Marcador de notas 2"/>
+          <p:cNvSpPr>
+            <a:spLocks noGrp="1"/>
+          </p:cNvSpPr>
+          <p:nvPr>
+            <p:ph type="body" idx="1"/>
+          </p:nvPr>
+        </p:nvSpPr>
+        <p:spPr/>
+        <p:txBody>
+          <a:bodyPr/>
+          <a:lstStyle/>
+          <a:p>
+            <a:endParaRPr lang="es-ES" dirty="0"/>
+          </a:p>
+        </p:txBody>
+      </p:sp>
+      <p:sp>
+        <p:nvSpPr>
+          <p:cNvPr id="4" name="Marcador de número de diapositiva 3"/>
+          <p:cNvSpPr>
+            <a:spLocks noGrp="1"/>
+          </p:cNvSpPr>
+          <p:nvPr>
+            <p:ph type="sldNum" sz="quarter" idx="10"/>
+          </p:nvPr>
+        </p:nvSpPr>
+        <p:spPr/>
+        <p:txBody>
+          <a:bodyPr/>
+          <a:lstStyle/>
+          <a:p>
+            <a:fld id="{3583E773-7C4B-4260-8A45-886C6E4C8EB6}" type="slidenum">
+              <a:rPr lang="es-ES" smtClean="0"/>
+              <a:t>8</a:t>
+            </a:fld>
+            <a:endParaRPr lang="es-ES" dirty="0"/>
+          </a:p>
+        </p:txBody>
+      </p:sp>
+    </p:spTree>
+    <p:extLst>
+      <p:ext uri="{BB962C8B-B14F-4D97-AF65-F5344CB8AC3E}">
+        <p14:creationId xmlns:p14="http://schemas.microsoft.com/office/powerpoint/2010/main" val="1176525224"/>
+      </p:ext>
+    </p:extLst>
+  </p:cSld>
+  <p:clrMapOvr>
+    <a:masterClrMapping/>
+  </p:clrMapOvr>
+</p:notes>
+</file>
+
+<file path=ppt/notesSlides/notesSlide9.xml><?xml version="1.0" encoding="utf-8"?>
+<p:notes xmlns:a="http://schemas.openxmlformats.org/drawingml/2006/main" xmlns:r="http://schemas.openxmlformats.org/officeDocument/2006/relationships" xmlns:p="http://schemas.openxmlformats.org/presentationml/2006/main">
+  <p:cSld>
+    <p:spTree>
+      <p:nvGrpSpPr>
+        <p:cNvPr id="1" name=""/>
+        <p:cNvGrpSpPr/>
+        <p:nvPr/>
+      </p:nvGrpSpPr>
+      <p:grpSpPr>
+        <a:xfrm>
+          <a:off x="0" y="0"/>
+          <a:ext cx="0" cy="0"/>
+          <a:chOff x="0" y="0"/>
+          <a:chExt cx="0" cy="0"/>
+        </a:xfrm>
+      </p:grpSpPr>
+      <p:sp>
+        <p:nvSpPr>
+          <p:cNvPr id="2" name="Marcador de imagen de diapositiva 1"/>
+          <p:cNvSpPr>
+            <a:spLocks noGrp="1" noRot="1" noChangeAspect="1"/>
+          </p:cNvSpPr>
+          <p:nvPr>
+            <p:ph type="sldImg"/>
+          </p:nvPr>
+        </p:nvSpPr>
+        <p:spPr/>
+      </p:sp>
+      <p:sp>
+        <p:nvSpPr>
+          <p:cNvPr id="3" name="Marcador de notas 2"/>
+          <p:cNvSpPr>
+            <a:spLocks noGrp="1"/>
+          </p:cNvSpPr>
+          <p:nvPr>
+            <p:ph type="body" idx="1"/>
+          </p:nvPr>
+        </p:nvSpPr>
+        <p:spPr/>
+        <p:txBody>
+          <a:bodyPr/>
+          <a:lstStyle/>
+          <a:p>
+            <a:endParaRPr lang="es-ES" dirty="0"/>
+          </a:p>
+        </p:txBody>
+      </p:sp>
+      <p:sp>
+        <p:nvSpPr>
+          <p:cNvPr id="4" name="Marcador de número de diapositiva 3"/>
+          <p:cNvSpPr>
+            <a:spLocks noGrp="1"/>
+          </p:cNvSpPr>
+          <p:nvPr>
+            <p:ph type="sldNum" sz="quarter" idx="10"/>
+          </p:nvPr>
+        </p:nvSpPr>
+        <p:spPr/>
+        <p:txBody>
+          <a:bodyPr/>
+          <a:lstStyle/>
+          <a:p>
+            <a:fld id="{3583E773-7C4B-4260-8A45-886C6E4C8EB6}" type="slidenum">
+              <a:rPr lang="es-ES" smtClean="0"/>
+              <a:t>9</a:t>
             </a:fld>
             <a:endParaRPr lang="es-ES" dirty="0"/>
           </a:p>
@@ -4717,7 +4887,7 @@
             <a:pPr rtl="0"/>
             <a:fld id="{57471103-BF6F-4523-9C54-5778E416DB58}" type="datetime1">
               <a:rPr lang="es-ES" noProof="0" smtClean="0"/>
-              <a:t>28/04/2021</a:t>
+              <a:t>29/04/2021</a:t>
             </a:fld>
             <a:endParaRPr lang="es-ES" noProof="0" dirty="0"/>
           </a:p>
@@ -4895,7 +5065,7 @@
             <a:pPr rtl="0"/>
             <a:fld id="{61C921E0-F9B3-4702-8EC0-299925A79D98}" type="datetime1">
               <a:rPr lang="es-ES" noProof="0" smtClean="0"/>
-              <a:t>28/04/2021</a:t>
+              <a:t>29/04/2021</a:t>
             </a:fld>
             <a:endParaRPr lang="es-ES" noProof="0" dirty="0"/>
           </a:p>
@@ -5083,7 +5253,7 @@
             <a:pPr rtl="0"/>
             <a:fld id="{2178A963-0DBC-4F57-AC62-29DD17473BF1}" type="datetime1">
               <a:rPr lang="es-ES" noProof="0" smtClean="0"/>
-              <a:t>28/04/2021</a:t>
+              <a:t>29/04/2021</a:t>
             </a:fld>
             <a:endParaRPr lang="es-ES" noProof="0" dirty="0"/>
           </a:p>
@@ -5261,7 +5431,7 @@
             <a:pPr rtl="0"/>
             <a:fld id="{498DF8EB-855A-4C83-AF3D-50B349D4E538}" type="datetime1">
               <a:rPr lang="es-ES" noProof="0" smtClean="0"/>
-              <a:t>28/04/2021</a:t>
+              <a:t>29/04/2021</a:t>
             </a:fld>
             <a:endParaRPr lang="es-ES" noProof="0" dirty="0"/>
           </a:p>
@@ -5537,7 +5707,7 @@
             <a:pPr rtl="0"/>
             <a:fld id="{9E9B2C39-3850-493C-952C-ECB939438560}" type="datetime1">
               <a:rPr lang="es-ES" noProof="0" smtClean="0"/>
-              <a:t>28/04/2021</a:t>
+              <a:t>29/04/2021</a:t>
             </a:fld>
             <a:endParaRPr lang="es-ES" noProof="0" dirty="0"/>
           </a:p>
@@ -5777,7 +5947,7 @@
             <a:pPr rtl="0"/>
             <a:fld id="{1D5FC420-51AA-4FAF-95BB-30176D68DEE8}" type="datetime1">
               <a:rPr lang="es-ES" noProof="0" smtClean="0"/>
-              <a:t>28/04/2021</a:t>
+              <a:t>29/04/2021</a:t>
             </a:fld>
             <a:endParaRPr lang="es-ES" noProof="0" dirty="0"/>
           </a:p>
@@ -6143,7 +6313,7 @@
             <a:pPr rtl="0"/>
             <a:fld id="{98F8B10C-B5AA-496A-AB83-56DD82CCA5A4}" type="datetime1">
               <a:rPr lang="es-ES" noProof="0" smtClean="0"/>
-              <a:t>28/04/2021</a:t>
+              <a:t>29/04/2021</a:t>
             </a:fld>
             <a:endParaRPr lang="es-ES" noProof="0" dirty="0"/>
           </a:p>
@@ -6294,7 +6464,7 @@
             <a:pPr rtl="0"/>
             <a:fld id="{A5E055F8-74A9-4173-B5CF-879C893039BB}" type="datetime1">
               <a:rPr lang="es-ES" noProof="0" smtClean="0"/>
-              <a:t>28/04/2021</a:t>
+              <a:t>29/04/2021</a:t>
             </a:fld>
             <a:endParaRPr lang="es-ES" noProof="0" dirty="0"/>
           </a:p>
@@ -6396,7 +6566,7 @@
             <a:pPr rtl="0"/>
             <a:fld id="{26141DB3-9D6D-4B67-A217-70651BDEF77B}" type="datetime1">
               <a:rPr lang="es-ES" noProof="0" smtClean="0"/>
-              <a:t>28/04/2021</a:t>
+              <a:t>29/04/2021</a:t>
             </a:fld>
             <a:endParaRPr lang="es-ES" noProof="0" dirty="0"/>
           </a:p>
@@ -6761,7 +6931,7 @@
             <a:pPr rtl="0"/>
             <a:fld id="{3B2F7798-4E4E-464F-96F9-7EFD6F0AD4BD}" type="datetime1">
               <a:rPr lang="es-ES" noProof="0" smtClean="0"/>
-              <a:t>28/04/2021</a:t>
+              <a:t>29/04/2021</a:t>
             </a:fld>
             <a:endParaRPr lang="es-ES" noProof="0" dirty="0"/>
           </a:p>
@@ -7127,7 +7297,7 @@
             <a:pPr rtl="0"/>
             <a:fld id="{CB86E2E8-7102-4A1A-AF5B-45BB32A33A1B}" type="datetime1">
               <a:rPr lang="es-ES" noProof="0" smtClean="0"/>
-              <a:t>28/04/2021</a:t>
+              <a:t>29/04/2021</a:t>
             </a:fld>
             <a:endParaRPr lang="es-ES" noProof="0" dirty="0"/>
           </a:p>
@@ -7375,7 +7545,7 @@
             <a:pPr rtl="0"/>
             <a:fld id="{F9BA73C7-9371-4491-AB0C-39991AAC6058}" type="datetime1">
               <a:rPr lang="es-ES" noProof="0" smtClean="0"/>
-              <a:t>28/04/2021</a:t>
+              <a:t>29/04/2021</a:t>
             </a:fld>
             <a:endParaRPr lang="es-ES" noProof="0" dirty="0"/>
           </a:p>
@@ -9210,13 +9380,18 @@
           <a:p>
             <a:pPr rtl="0"/>
             <a:r>
-              <a:rPr lang="es-ES" dirty="0">
+              <a:rPr lang="es-ES">
                 <a:solidFill>
                   <a:srgbClr val="FFFFFF"/>
                 </a:solidFill>
               </a:rPr>
               <a:t>Bases Técnicas del APP</a:t>
             </a:r>
+            <a:endParaRPr lang="es-ES" dirty="0">
+              <a:solidFill>
+                <a:srgbClr val="FFFFFF"/>
+              </a:solidFill>
+            </a:endParaRPr>
           </a:p>
         </p:txBody>
       </p:sp>
@@ -9238,8 +9413,8 @@
         </p:nvSpPr>
         <p:spPr>
           <a:xfrm>
-            <a:off x="5800164" y="1674699"/>
-            <a:ext cx="5245967" cy="3508601"/>
+            <a:off x="5512653" y="1224436"/>
+            <a:ext cx="5820988" cy="4148320"/>
           </a:xfrm>
         </p:spPr>
         <p:txBody>
@@ -9252,20 +9427,20 @@
               <a:buNone/>
             </a:pPr>
             <a:r>
-              <a:rPr lang="es-ES" sz="1600" b="1" dirty="0">
+              <a:rPr lang="es-ES" b="1" dirty="0">
                 <a:latin typeface="Arial" panose="020B0604020202020204" pitchFamily="34" charset="0"/>
                 <a:cs typeface="Arial" panose="020B0604020202020204" pitchFamily="34" charset="0"/>
               </a:rPr>
               <a:t>Características:</a:t>
             </a:r>
-            <a:endParaRPr lang="es-ES" sz="1400" b="1" dirty="0">
+            <a:endParaRPr lang="es-ES" sz="1600" b="1" dirty="0">
               <a:latin typeface="Arial" panose="020B0604020202020204" pitchFamily="34" charset="0"/>
               <a:cs typeface="Arial" panose="020B0604020202020204" pitchFamily="34" charset="0"/>
             </a:endParaRPr>
           </a:p>
           <a:p>
             <a:r>
-              <a:rPr lang="es-ES" sz="1400" dirty="0">
+              <a:rPr lang="es-ES" sz="1600" dirty="0">
                 <a:latin typeface="Arial" panose="020B0604020202020204" pitchFamily="34" charset="0"/>
                 <a:cs typeface="Arial" panose="020B0604020202020204" pitchFamily="34" charset="0"/>
               </a:rPr>
@@ -9274,7 +9449,7 @@
           </a:p>
           <a:p>
             <a:r>
-              <a:rPr lang="es-ES" sz="1400" dirty="0">
+              <a:rPr lang="es-ES" sz="1600" dirty="0">
                 <a:latin typeface="Arial" panose="020B0604020202020204" pitchFamily="34" charset="0"/>
                 <a:cs typeface="Arial" panose="020B0604020202020204" pitchFamily="34" charset="0"/>
               </a:rPr>
@@ -9287,7 +9462,7 @@
               <a:buAutoNum type="arabicPeriod"/>
             </a:pPr>
             <a:r>
-              <a:rPr lang="es-ES" sz="1400" dirty="0">
+              <a:rPr lang="es-ES" dirty="0">
                 <a:latin typeface="Arial" panose="020B0604020202020204" pitchFamily="34" charset="0"/>
                 <a:cs typeface="Arial" panose="020B0604020202020204" pitchFamily="34" charset="0"/>
               </a:rPr>
@@ -9300,7 +9475,7 @@
               <a:buAutoNum type="arabicPeriod"/>
             </a:pPr>
             <a:r>
-              <a:rPr lang="es-ES" sz="1400" dirty="0">
+              <a:rPr lang="es-ES" dirty="0">
                 <a:latin typeface="Arial" panose="020B0604020202020204" pitchFamily="34" charset="0"/>
                 <a:cs typeface="Arial" panose="020B0604020202020204" pitchFamily="34" charset="0"/>
               </a:rPr>
@@ -9313,7 +9488,7 @@
               <a:buAutoNum type="arabicPeriod"/>
             </a:pPr>
             <a:r>
-              <a:rPr lang="es-ES" sz="1400" dirty="0">
+              <a:rPr lang="es-ES" dirty="0">
                 <a:latin typeface="Arial" panose="020B0604020202020204" pitchFamily="34" charset="0"/>
                 <a:cs typeface="Arial" panose="020B0604020202020204" pitchFamily="34" charset="0"/>
               </a:rPr>
@@ -9324,7 +9499,7 @@
             <a:pPr marL="228600" lvl="1" indent="0">
               <a:buNone/>
             </a:pPr>
-            <a:endParaRPr lang="es-ES" sz="1400" dirty="0">
+            <a:endParaRPr lang="es-ES" dirty="0">
               <a:latin typeface="Arial" panose="020B0604020202020204" pitchFamily="34" charset="0"/>
               <a:cs typeface="Arial" panose="020B0604020202020204" pitchFamily="34" charset="0"/>
             </a:endParaRPr>
@@ -9334,7 +9509,7 @@
               <a:buNone/>
             </a:pPr>
             <a:r>
-              <a:rPr lang="es-ES" sz="1400" dirty="0">
+              <a:rPr lang="es-ES" dirty="0">
                 <a:latin typeface="Arial" panose="020B0604020202020204" pitchFamily="34" charset="0"/>
                 <a:cs typeface="Arial" panose="020B0604020202020204" pitchFamily="34" charset="0"/>
               </a:rPr>
@@ -9345,17 +9520,88 @@
             <a:pPr marL="228600" lvl="1" indent="0">
               <a:buNone/>
             </a:pPr>
-            <a:endParaRPr lang="es-ES" sz="1400" dirty="0">
+            <a:endParaRPr lang="es-ES" dirty="0">
               <a:latin typeface="Arial" panose="020B0604020202020204" pitchFamily="34" charset="0"/>
               <a:cs typeface="Arial" panose="020B0604020202020204" pitchFamily="34" charset="0"/>
             </a:endParaRPr>
           </a:p>
         </p:txBody>
       </p:sp>
+      <p:pic>
+        <p:nvPicPr>
+          <p:cNvPr id="4" name="Gráfico 3" descr="Hamburguesa con bebida contorno">
+            <a:extLst>
+              <a:ext uri="{FF2B5EF4-FFF2-40B4-BE49-F238E27FC236}">
+                <a16:creationId xmlns:a16="http://schemas.microsoft.com/office/drawing/2014/main" id="{1D1E964F-F739-4D87-BC8F-52718489063C}"/>
+              </a:ext>
+            </a:extLst>
+          </p:cNvPr>
+          <p:cNvPicPr>
+            <a:picLocks noChangeAspect="1"/>
+          </p:cNvPicPr>
+          <p:nvPr/>
+        </p:nvPicPr>
+        <p:blipFill>
+          <a:blip r:embed="rId3">
+            <a:extLst>
+              <a:ext uri="{96DAC541-7B7A-43D3-8B79-37D633B846F1}">
+                <asvg:svgBlip xmlns:asvg="http://schemas.microsoft.com/office/drawing/2016/SVG/main" r:embed="rId4"/>
+              </a:ext>
+            </a:extLst>
+          </a:blip>
+          <a:stretch>
+            <a:fillRect/>
+          </a:stretch>
+        </p:blipFill>
+        <p:spPr>
+          <a:xfrm>
+            <a:off x="4606565" y="5442856"/>
+            <a:ext cx="1415144" cy="1415144"/>
+          </a:xfrm>
+          <a:prstGeom prst="rect">
+            <a:avLst/>
+          </a:prstGeom>
+        </p:spPr>
+      </p:pic>
+      <p:pic>
+        <p:nvPicPr>
+          <p:cNvPr id="6" name="Gráfico 5" descr="Tienda contorno">
+            <a:extLst>
+              <a:ext uri="{FF2B5EF4-FFF2-40B4-BE49-F238E27FC236}">
+                <a16:creationId xmlns:a16="http://schemas.microsoft.com/office/drawing/2014/main" id="{9DDEB63A-DEAF-4483-B403-7FC897F95899}"/>
+              </a:ext>
+            </a:extLst>
+          </p:cNvPr>
+          <p:cNvPicPr>
+            <a:picLocks noChangeAspect="1"/>
+          </p:cNvPicPr>
+          <p:nvPr/>
+        </p:nvPicPr>
+        <p:blipFill>
+          <a:blip r:embed="rId5">
+            <a:extLst>
+              <a:ext uri="{96DAC541-7B7A-43D3-8B79-37D633B846F1}">
+                <asvg:svgBlip xmlns:asvg="http://schemas.microsoft.com/office/drawing/2016/SVG/main" r:embed="rId6"/>
+              </a:ext>
+            </a:extLst>
+          </a:blip>
+          <a:srcRect/>
+          <a:stretch/>
+        </p:blipFill>
+        <p:spPr>
+          <a:xfrm>
+            <a:off x="10982846" y="5648847"/>
+            <a:ext cx="1209153" cy="1209153"/>
+          </a:xfrm>
+          <a:prstGeom prst="rect">
+            <a:avLst/>
+          </a:prstGeom>
+        </p:spPr>
+      </p:pic>
     </p:spTree>
     <p:extLst>
       <p:ext uri="{BB962C8B-B14F-4D97-AF65-F5344CB8AC3E}">
-        <p14:creationId xmlns:p14="http://schemas.microsoft.com/office/powerpoint/2010/main" val="1244043930"/>
+        <p14:creationId xmlns:p14="http://schemas.microsoft.com/office/powerpoint/2010/main" val="1440901283"/>
       </p:ext>
     </p:extLst>
   </p:cSld>
@@ -9366,6 +9612,1004 @@
 </file>
 
 <file path=ppt/slides/slide6.xml><?xml version="1.0" encoding="utf-8"?>
+<p:sld xmlns:a="http://schemas.openxmlformats.org/drawingml/2006/main" xmlns:r="http://schemas.openxmlformats.org/officeDocument/2006/relationships" xmlns:p="http://schemas.openxmlformats.org/presentationml/2006/main">
+  <p:cSld>
+    <p:bg>
+      <p:bgPr>
+        <a:solidFill>
+          <a:schemeClr val="bg1"/>
+        </a:solidFill>
+        <a:effectLst/>
+      </p:bgPr>
+    </p:bg>
+    <p:spTree>
+      <p:nvGrpSpPr>
+        <p:cNvPr id="1" name=""/>
+        <p:cNvGrpSpPr/>
+        <p:nvPr/>
+      </p:nvGrpSpPr>
+      <p:grpSpPr>
+        <a:xfrm>
+          <a:off x="0" y="0"/>
+          <a:ext cx="0" cy="0"/>
+          <a:chOff x="0" y="0"/>
+          <a:chExt cx="0" cy="0"/>
+        </a:xfrm>
+      </p:grpSpPr>
+      <p:sp useBgFill="1">
+        <p:nvSpPr>
+          <p:cNvPr id="18" name="Rectángulo 17">
+            <a:extLst>
+              <a:ext uri="{FF2B5EF4-FFF2-40B4-BE49-F238E27FC236}">
+                <a16:creationId xmlns:a16="http://schemas.microsoft.com/office/drawing/2014/main" id="{0AF33C27-9C85-4B30-9AD7-879D48AFE4FF}"/>
+              </a:ext>
+              <a:ext uri="{C183D7F6-B498-43B3-948B-1728B52AA6E4}">
+                <adec:decorative xmlns:adec="http://schemas.microsoft.com/office/drawing/2017/decorative" val="1"/>
+              </a:ext>
+            </a:extLst>
+          </p:cNvPr>
+          <p:cNvSpPr>
+            <a:spLocks noGrp="1" noRot="1" noChangeAspect="1" noMove="1" noResize="1" noEditPoints="1" noAdjustHandles="1" noChangeArrowheads="1" noChangeShapeType="1" noTextEdit="1"/>
+          </p:cNvSpPr>
+          <p:nvPr>
+            <p:extLst>
+              <p:ext uri="{386F3935-93C4-4BCD-93E2-E3B085C9AB24}">
+                <p16:designElem xmlns:p16="http://schemas.microsoft.com/office/powerpoint/2015/main" val="1"/>
+              </p:ext>
+            </p:extLst>
+          </p:nvPr>
+        </p:nvSpPr>
+        <p:spPr>
+          <a:xfrm>
+            <a:off x="0" y="0"/>
+            <a:ext cx="12191999" cy="6858000"/>
+          </a:xfrm>
+          <a:prstGeom prst="rect">
+            <a:avLst/>
+          </a:prstGeom>
+          <a:ln>
+            <a:noFill/>
+          </a:ln>
+        </p:spPr>
+        <p:style>
+          <a:lnRef idx="2">
+            <a:schemeClr val="accent1">
+              <a:shade val="50000"/>
+            </a:schemeClr>
+          </a:lnRef>
+          <a:fillRef idx="1">
+            <a:schemeClr val="accent1"/>
+          </a:fillRef>
+          <a:effectRef idx="0">
+            <a:schemeClr val="accent1"/>
+          </a:effectRef>
+          <a:fontRef idx="minor">
+            <a:schemeClr val="lt1"/>
+          </a:fontRef>
+        </p:style>
+        <p:txBody>
+          <a:bodyPr rtlCol="0" anchor="ctr"/>
+          <a:lstStyle/>
+          <a:p>
+            <a:pPr algn="ctr" rtl="0"/>
+            <a:endParaRPr lang="es-ES" dirty="0"/>
+          </a:p>
+        </p:txBody>
+      </p:sp>
+      <p:sp>
+        <p:nvSpPr>
+          <p:cNvPr id="20" name="Rectángulo 19">
+            <a:extLst>
+              <a:ext uri="{FF2B5EF4-FFF2-40B4-BE49-F238E27FC236}">
+                <a16:creationId xmlns:a16="http://schemas.microsoft.com/office/drawing/2014/main" id="{6D5089DD-882D-4413-B8BF-4798BFD84A98}"/>
+              </a:ext>
+              <a:ext uri="{C183D7F6-B498-43B3-948B-1728B52AA6E4}">
+                <adec:decorative xmlns:adec="http://schemas.microsoft.com/office/drawing/2017/decorative" val="1"/>
+              </a:ext>
+            </a:extLst>
+          </p:cNvPr>
+          <p:cNvSpPr>
+            <a:spLocks noGrp="1" noRot="1" noChangeAspect="1" noMove="1" noResize="1" noEditPoints="1" noAdjustHandles="1" noChangeArrowheads="1" noChangeShapeType="1" noTextEdit="1"/>
+          </p:cNvSpPr>
+          <p:nvPr>
+            <p:extLst>
+              <p:ext uri="{386F3935-93C4-4BCD-93E2-E3B085C9AB24}">
+                <p16:designElem xmlns:p16="http://schemas.microsoft.com/office/powerpoint/2015/main" val="1"/>
+              </p:ext>
+            </p:extLst>
+          </p:nvPr>
+        </p:nvSpPr>
+        <p:spPr>
+          <a:xfrm>
+            <a:off x="7537704" y="0"/>
+            <a:ext cx="4654296" cy="6858000"/>
+          </a:xfrm>
+          <a:prstGeom prst="rect">
+            <a:avLst/>
+          </a:prstGeom>
+          <a:solidFill>
+            <a:schemeClr val="tx1">
+              <a:lumMod val="95000"/>
+              <a:lumOff val="5000"/>
+            </a:schemeClr>
+          </a:solidFill>
+          <a:ln>
+            <a:noFill/>
+          </a:ln>
+        </p:spPr>
+        <p:style>
+          <a:lnRef idx="2">
+            <a:schemeClr val="accent1">
+              <a:shade val="50000"/>
+            </a:schemeClr>
+          </a:lnRef>
+          <a:fillRef idx="1">
+            <a:schemeClr val="accent1"/>
+          </a:fillRef>
+          <a:effectRef idx="0">
+            <a:schemeClr val="accent1"/>
+          </a:effectRef>
+          <a:fontRef idx="minor">
+            <a:schemeClr val="lt1"/>
+          </a:fontRef>
+        </p:style>
+        <p:txBody>
+          <a:bodyPr rtlCol="0" anchor="ctr"/>
+          <a:lstStyle/>
+          <a:p>
+            <a:pPr algn="ctr" rtl="0"/>
+            <a:endParaRPr lang="es-ES" dirty="0"/>
+          </a:p>
+        </p:txBody>
+      </p:sp>
+      <p:sp>
+        <p:nvSpPr>
+          <p:cNvPr id="2" name="Título 1">
+            <a:extLst>
+              <a:ext uri="{FF2B5EF4-FFF2-40B4-BE49-F238E27FC236}">
+                <a16:creationId xmlns:a16="http://schemas.microsoft.com/office/drawing/2014/main" id="{8EB78894-19E5-4916-B37E-B4A80B9B8D52}"/>
+              </a:ext>
+            </a:extLst>
+          </p:cNvPr>
+          <p:cNvSpPr>
+            <a:spLocks noGrp="1"/>
+          </p:cNvSpPr>
+          <p:nvPr>
+            <p:ph type="title"/>
+          </p:nvPr>
+        </p:nvSpPr>
+        <p:spPr>
+          <a:xfrm>
+            <a:off x="8181171" y="2681103"/>
+            <a:ext cx="3363974" cy="1495794"/>
+          </a:xfrm>
+          <a:noFill/>
+          <a:ln>
+            <a:solidFill>
+              <a:srgbClr val="FFFFFF"/>
+            </a:solidFill>
+          </a:ln>
+          <a:effectLst>
+            <a:glow rad="152400">
+              <a:schemeClr val="bg1">
+                <a:alpha val="13000"/>
+              </a:schemeClr>
+            </a:glow>
+          </a:effectLst>
+        </p:spPr>
+        <p:txBody>
+          <a:bodyPr wrap="square" rtlCol="0">
+            <a:normAutofit fontScale="90000"/>
+          </a:bodyPr>
+          <a:lstStyle/>
+          <a:p>
+            <a:pPr rtl="0"/>
+            <a:r>
+              <a:rPr lang="es-ES" dirty="0">
+                <a:solidFill>
+                  <a:srgbClr val="FFFFFF"/>
+                </a:solidFill>
+              </a:rPr>
+              <a:t>Bases Técnicas del APP</a:t>
+            </a:r>
+          </a:p>
+        </p:txBody>
+      </p:sp>
+      <p:sp>
+        <p:nvSpPr>
+          <p:cNvPr id="10" name="Marcador de contenido 3">
+            <a:extLst>
+              <a:ext uri="{FF2B5EF4-FFF2-40B4-BE49-F238E27FC236}">
+                <a16:creationId xmlns:a16="http://schemas.microsoft.com/office/drawing/2014/main" id="{9809C869-2F2A-4EFB-A0A2-14A3DC2B2EE0}"/>
+              </a:ext>
+            </a:extLst>
+          </p:cNvPr>
+          <p:cNvSpPr>
+            <a:spLocks noGrp="1"/>
+          </p:cNvSpPr>
+          <p:nvPr>
+            <p:ph idx="1"/>
+          </p:nvPr>
+        </p:nvSpPr>
+        <p:spPr>
+          <a:xfrm>
+            <a:off x="1145869" y="1439026"/>
+            <a:ext cx="5245967" cy="4314119"/>
+          </a:xfrm>
+        </p:spPr>
+        <p:txBody>
+          <a:bodyPr rtlCol="0">
+            <a:noAutofit/>
+          </a:bodyPr>
+          <a:lstStyle/>
+          <a:p>
+            <a:pPr marL="0" indent="0" algn="ctr" rtl="0">
+              <a:buNone/>
+            </a:pPr>
+            <a:r>
+              <a:rPr lang="es-ES" b="1" dirty="0">
+                <a:latin typeface="Arial" panose="020B0604020202020204" pitchFamily="34" charset="0"/>
+                <a:cs typeface="Arial" panose="020B0604020202020204" pitchFamily="34" charset="0"/>
+              </a:rPr>
+              <a:t>Características:</a:t>
+            </a:r>
+            <a:endParaRPr lang="es-ES" sz="1600" b="1" dirty="0">
+              <a:latin typeface="Arial" panose="020B0604020202020204" pitchFamily="34" charset="0"/>
+              <a:cs typeface="Arial" panose="020B0604020202020204" pitchFamily="34" charset="0"/>
+            </a:endParaRPr>
+          </a:p>
+          <a:p>
+            <a:r>
+              <a:rPr lang="es-ES" sz="1600" dirty="0">
+                <a:latin typeface="Arial" panose="020B0604020202020204" pitchFamily="34" charset="0"/>
+                <a:cs typeface="Arial" panose="020B0604020202020204" pitchFamily="34" charset="0"/>
+              </a:rPr>
+              <a:t>En el desarrollo se considero tener 6 clases para que junto con el </a:t>
+            </a:r>
+            <a:r>
+              <a:rPr lang="en-US" sz="1600" dirty="0">
+                <a:latin typeface="Arial" panose="020B0604020202020204" pitchFamily="34" charset="0"/>
+                <a:cs typeface="Arial" panose="020B0604020202020204" pitchFamily="34" charset="0"/>
+              </a:rPr>
+              <a:t>main</a:t>
+            </a:r>
+            <a:r>
+              <a:rPr lang="es-ES" sz="1600" dirty="0">
+                <a:latin typeface="Arial" panose="020B0604020202020204" pitchFamily="34" charset="0"/>
+                <a:cs typeface="Arial" panose="020B0604020202020204" pitchFamily="34" charset="0"/>
+              </a:rPr>
+              <a:t> formaran la App completa </a:t>
+            </a:r>
+          </a:p>
+          <a:p>
+            <a:r>
+              <a:rPr lang="es-ES" sz="1600" dirty="0">
+                <a:latin typeface="Arial" panose="020B0604020202020204" pitchFamily="34" charset="0"/>
+                <a:cs typeface="Arial" panose="020B0604020202020204" pitchFamily="34" charset="0"/>
+              </a:rPr>
+              <a:t>Clases:</a:t>
+            </a:r>
+          </a:p>
+          <a:p>
+            <a:pPr marL="571500" lvl="1" indent="-342900">
+              <a:buFont typeface="+mj-lt"/>
+              <a:buAutoNum type="arabicPeriod"/>
+            </a:pPr>
+            <a:r>
+              <a:rPr lang="es-ES" dirty="0">
+                <a:latin typeface="Arial" panose="020B0604020202020204" pitchFamily="34" charset="0"/>
+                <a:cs typeface="Arial" panose="020B0604020202020204" pitchFamily="34" charset="0"/>
+              </a:rPr>
+              <a:t>Cliente.</a:t>
+            </a:r>
+          </a:p>
+          <a:p>
+            <a:pPr marL="571500" lvl="1" indent="-342900">
+              <a:buFont typeface="+mj-lt"/>
+              <a:buAutoNum type="arabicPeriod"/>
+            </a:pPr>
+            <a:r>
+              <a:rPr lang="es-ES" dirty="0">
+                <a:latin typeface="Arial" panose="020B0604020202020204" pitchFamily="34" charset="0"/>
+                <a:cs typeface="Arial" panose="020B0604020202020204" pitchFamily="34" charset="0"/>
+              </a:rPr>
+              <a:t>Factura.</a:t>
+            </a:r>
+          </a:p>
+          <a:p>
+            <a:pPr marL="571500" lvl="1" indent="-342900">
+              <a:buFont typeface="+mj-lt"/>
+              <a:buAutoNum type="arabicPeriod"/>
+            </a:pPr>
+            <a:r>
+              <a:rPr lang="es-ES" dirty="0">
+                <a:latin typeface="Arial" panose="020B0604020202020204" pitchFamily="34" charset="0"/>
+                <a:cs typeface="Arial" panose="020B0604020202020204" pitchFamily="34" charset="0"/>
+              </a:rPr>
+              <a:t>Producto.</a:t>
+            </a:r>
+          </a:p>
+          <a:p>
+            <a:pPr marL="571500" lvl="1" indent="-342900">
+              <a:buFont typeface="+mj-lt"/>
+              <a:buAutoNum type="arabicPeriod"/>
+            </a:pPr>
+            <a:r>
+              <a:rPr lang="es-ES" dirty="0">
+                <a:latin typeface="Arial" panose="020B0604020202020204" pitchFamily="34" charset="0"/>
+                <a:cs typeface="Arial" panose="020B0604020202020204" pitchFamily="34" charset="0"/>
+              </a:rPr>
+              <a:t>Promoción </a:t>
+            </a:r>
+          </a:p>
+          <a:p>
+            <a:pPr marL="571500" lvl="1" indent="-342900">
+              <a:buFont typeface="+mj-lt"/>
+              <a:buAutoNum type="arabicPeriod"/>
+            </a:pPr>
+            <a:r>
+              <a:rPr lang="es-ES" dirty="0">
+                <a:latin typeface="Arial" panose="020B0604020202020204" pitchFamily="34" charset="0"/>
+                <a:cs typeface="Arial" panose="020B0604020202020204" pitchFamily="34" charset="0"/>
+              </a:rPr>
+              <a:t>Repartidor </a:t>
+            </a:r>
+          </a:p>
+          <a:p>
+            <a:pPr marL="571500" lvl="1" indent="-342900">
+              <a:buFont typeface="+mj-lt"/>
+              <a:buAutoNum type="arabicPeriod"/>
+            </a:pPr>
+            <a:r>
+              <a:rPr lang="es-ES" dirty="0">
+                <a:latin typeface="Arial" panose="020B0604020202020204" pitchFamily="34" charset="0"/>
+                <a:cs typeface="Arial" panose="020B0604020202020204" pitchFamily="34" charset="0"/>
+              </a:rPr>
+              <a:t>Restaurante</a:t>
+            </a:r>
+          </a:p>
+          <a:p>
+            <a:pPr marL="228600" lvl="1" indent="0">
+              <a:buNone/>
+            </a:pPr>
+            <a:r>
+              <a:rPr lang="es-ES" dirty="0">
+                <a:latin typeface="Arial" panose="020B0604020202020204" pitchFamily="34" charset="0"/>
+                <a:cs typeface="Arial" panose="020B0604020202020204" pitchFamily="34" charset="0"/>
+              </a:rPr>
+              <a:t>Cada clase con sus métodos específicos, atributos necesarios.</a:t>
+            </a:r>
+          </a:p>
+          <a:p>
+            <a:pPr marL="228600" lvl="1" indent="0">
+              <a:buNone/>
+            </a:pPr>
+            <a:endParaRPr lang="es-ES" dirty="0">
+              <a:latin typeface="Arial" panose="020B0604020202020204" pitchFamily="34" charset="0"/>
+              <a:cs typeface="Arial" panose="020B0604020202020204" pitchFamily="34" charset="0"/>
+            </a:endParaRPr>
+          </a:p>
+        </p:txBody>
+      </p:sp>
+      <p:pic>
+        <p:nvPicPr>
+          <p:cNvPr id="12" name="Gráfico 11" descr="Comercio electrónico con relleno sólido">
+            <a:extLst>
+              <a:ext uri="{FF2B5EF4-FFF2-40B4-BE49-F238E27FC236}">
+                <a16:creationId xmlns:a16="http://schemas.microsoft.com/office/drawing/2014/main" id="{74A3B3BE-43B0-4D1D-8C35-1F47A34D5917}"/>
+              </a:ext>
+            </a:extLst>
+          </p:cNvPr>
+          <p:cNvPicPr>
+            <a:picLocks noChangeAspect="1"/>
+          </p:cNvPicPr>
+          <p:nvPr/>
+        </p:nvPicPr>
+        <p:blipFill>
+          <a:blip r:embed="rId3">
+            <a:extLst>
+              <a:ext uri="{96DAC541-7B7A-43D3-8B79-37D633B846F1}">
+                <asvg:svgBlip xmlns:asvg="http://schemas.microsoft.com/office/drawing/2016/SVG/main" r:embed="rId4"/>
+              </a:ext>
+            </a:extLst>
+          </a:blip>
+          <a:stretch>
+            <a:fillRect/>
+          </a:stretch>
+        </p:blipFill>
+        <p:spPr>
+          <a:xfrm>
+            <a:off x="7551418" y="5753145"/>
+            <a:ext cx="914400" cy="914400"/>
+          </a:xfrm>
+          <a:prstGeom prst="rect">
+            <a:avLst/>
+          </a:prstGeom>
+          <a:effectLst>
+            <a:glow rad="63500">
+              <a:schemeClr val="accent2">
+                <a:satMod val="175000"/>
+                <a:alpha val="40000"/>
+              </a:schemeClr>
+            </a:glow>
+          </a:effectLst>
+        </p:spPr>
+      </p:pic>
+    </p:spTree>
+    <p:extLst>
+      <p:ext uri="{BB962C8B-B14F-4D97-AF65-F5344CB8AC3E}">
+        <p14:creationId xmlns:p14="http://schemas.microsoft.com/office/powerpoint/2010/main" val="3796707151"/>
+      </p:ext>
+    </p:extLst>
+  </p:cSld>
+  <p:clrMapOvr>
+    <a:masterClrMapping/>
+  </p:clrMapOvr>
+</p:sld>
+</file>
+
+<file path=ppt/slides/slide7.xml><?xml version="1.0" encoding="utf-8"?>
+<p:sld xmlns:a="http://schemas.openxmlformats.org/drawingml/2006/main" xmlns:r="http://schemas.openxmlformats.org/officeDocument/2006/relationships" xmlns:p="http://schemas.openxmlformats.org/presentationml/2006/main">
+  <p:cSld>
+    <p:bg>
+      <p:bgPr>
+        <a:solidFill>
+          <a:schemeClr val="bg1"/>
+        </a:solidFill>
+        <a:effectLst/>
+      </p:bgPr>
+    </p:bg>
+    <p:spTree>
+      <p:nvGrpSpPr>
+        <p:cNvPr id="1" name=""/>
+        <p:cNvGrpSpPr/>
+        <p:nvPr/>
+      </p:nvGrpSpPr>
+      <p:grpSpPr>
+        <a:xfrm>
+          <a:off x="0" y="0"/>
+          <a:ext cx="0" cy="0"/>
+          <a:chOff x="0" y="0"/>
+          <a:chExt cx="0" cy="0"/>
+        </a:xfrm>
+      </p:grpSpPr>
+      <p:sp useBgFill="1">
+        <p:nvSpPr>
+          <p:cNvPr id="18" name="Rectángulo 17">
+            <a:extLst>
+              <a:ext uri="{FF2B5EF4-FFF2-40B4-BE49-F238E27FC236}">
+                <a16:creationId xmlns:a16="http://schemas.microsoft.com/office/drawing/2014/main" id="{93F0ADB5-A0B4-4B01-A8C4-FDC34CE22BD4}"/>
+              </a:ext>
+              <a:ext uri="{C183D7F6-B498-43B3-948B-1728B52AA6E4}">
+                <adec:decorative xmlns:adec="http://schemas.microsoft.com/office/drawing/2017/decorative" val="1"/>
+              </a:ext>
+            </a:extLst>
+          </p:cNvPr>
+          <p:cNvSpPr>
+            <a:spLocks noGrp="1" noRot="1" noChangeAspect="1" noMove="1" noResize="1" noEditPoints="1" noAdjustHandles="1" noChangeArrowheads="1" noChangeShapeType="1" noTextEdit="1"/>
+          </p:cNvSpPr>
+          <p:nvPr>
+            <p:extLst>
+              <p:ext uri="{386F3935-93C4-4BCD-93E2-E3B085C9AB24}">
+                <p16:designElem xmlns:p16="http://schemas.microsoft.com/office/powerpoint/2015/main" val="1"/>
+              </p:ext>
+            </p:extLst>
+          </p:nvPr>
+        </p:nvSpPr>
+        <p:spPr>
+          <a:xfrm>
+            <a:off x="0" y="0"/>
+            <a:ext cx="12191999" cy="6858000"/>
+          </a:xfrm>
+          <a:prstGeom prst="rect">
+            <a:avLst/>
+          </a:prstGeom>
+          <a:ln>
+            <a:noFill/>
+          </a:ln>
+        </p:spPr>
+        <p:style>
+          <a:lnRef idx="2">
+            <a:schemeClr val="accent1">
+              <a:shade val="50000"/>
+            </a:schemeClr>
+          </a:lnRef>
+          <a:fillRef idx="1">
+            <a:schemeClr val="accent1"/>
+          </a:fillRef>
+          <a:effectRef idx="0">
+            <a:schemeClr val="accent1"/>
+          </a:effectRef>
+          <a:fontRef idx="minor">
+            <a:schemeClr val="lt1"/>
+          </a:fontRef>
+        </p:style>
+        <p:txBody>
+          <a:bodyPr rtlCol="0" anchor="ctr"/>
+          <a:lstStyle/>
+          <a:p>
+            <a:pPr algn="ctr" rtl="0"/>
+            <a:endParaRPr lang="es-ES" dirty="0"/>
+          </a:p>
+        </p:txBody>
+      </p:sp>
+      <p:sp>
+        <p:nvSpPr>
+          <p:cNvPr id="20" name="Rectángulo 19">
+            <a:extLst>
+              <a:ext uri="{FF2B5EF4-FFF2-40B4-BE49-F238E27FC236}">
+                <a16:creationId xmlns:a16="http://schemas.microsoft.com/office/drawing/2014/main" id="{AA6D0FDE-0241-4C21-A720-A69475358235}"/>
+              </a:ext>
+              <a:ext uri="{C183D7F6-B498-43B3-948B-1728B52AA6E4}">
+                <adec:decorative xmlns:adec="http://schemas.microsoft.com/office/drawing/2017/decorative" val="1"/>
+              </a:ext>
+            </a:extLst>
+          </p:cNvPr>
+          <p:cNvSpPr>
+            <a:spLocks noGrp="1" noRot="1" noChangeAspect="1" noMove="1" noResize="1" noEditPoints="1" noAdjustHandles="1" noChangeArrowheads="1" noChangeShapeType="1" noTextEdit="1"/>
+          </p:cNvSpPr>
+          <p:nvPr>
+            <p:extLst>
+              <p:ext uri="{386F3935-93C4-4BCD-93E2-E3B085C9AB24}">
+                <p16:designElem xmlns:p16="http://schemas.microsoft.com/office/powerpoint/2015/main" val="1"/>
+              </p:ext>
+            </p:extLst>
+          </p:nvPr>
+        </p:nvSpPr>
+        <p:spPr>
+          <a:xfrm>
+            <a:off x="0" y="0"/>
+            <a:ext cx="4654296" cy="6858000"/>
+          </a:xfrm>
+          <a:prstGeom prst="rect">
+            <a:avLst/>
+          </a:prstGeom>
+          <a:solidFill>
+            <a:schemeClr val="tx1">
+              <a:lumMod val="95000"/>
+              <a:lumOff val="5000"/>
+            </a:schemeClr>
+          </a:solidFill>
+          <a:ln>
+            <a:noFill/>
+          </a:ln>
+        </p:spPr>
+        <p:style>
+          <a:lnRef idx="0">
+            <a:scrgbClr r="0" g="0" b="0"/>
+          </a:lnRef>
+          <a:fillRef idx="0">
+            <a:scrgbClr r="0" g="0" b="0"/>
+          </a:fillRef>
+          <a:effectRef idx="0">
+            <a:scrgbClr r="0" g="0" b="0"/>
+          </a:effectRef>
+          <a:fontRef idx="minor">
+            <a:schemeClr val="lt1"/>
+          </a:fontRef>
+        </p:style>
+        <p:txBody>
+          <a:bodyPr rtlCol="0" anchor="ctr"/>
+          <a:lstStyle/>
+          <a:p>
+            <a:pPr algn="ctr" rtl="0"/>
+            <a:endParaRPr lang="es-ES" dirty="0"/>
+          </a:p>
+        </p:txBody>
+      </p:sp>
+      <p:sp>
+        <p:nvSpPr>
+          <p:cNvPr id="2" name="Título 1">
+            <a:extLst>
+              <a:ext uri="{FF2B5EF4-FFF2-40B4-BE49-F238E27FC236}">
+                <a16:creationId xmlns:a16="http://schemas.microsoft.com/office/drawing/2014/main" id="{15115107-5DA3-4397-A1DA-67705DAE1EC2}"/>
+              </a:ext>
+            </a:extLst>
+          </p:cNvPr>
+          <p:cNvSpPr>
+            <a:spLocks noGrp="1"/>
+          </p:cNvSpPr>
+          <p:nvPr>
+            <p:ph type="title"/>
+          </p:nvPr>
+        </p:nvSpPr>
+        <p:spPr>
+          <a:xfrm>
+            <a:off x="426128" y="2681103"/>
+            <a:ext cx="3581313" cy="1495794"/>
+          </a:xfrm>
+          <a:noFill/>
+          <a:ln w="31750" cap="sq">
+            <a:solidFill>
+              <a:srgbClr val="FFFFFF"/>
+            </a:solidFill>
+            <a:miter lim="800000"/>
+          </a:ln>
+          <a:effectLst>
+            <a:glow rad="152400">
+              <a:schemeClr val="bg1">
+                <a:alpha val="13000"/>
+              </a:schemeClr>
+            </a:glow>
+          </a:effectLst>
+        </p:spPr>
+        <p:txBody>
+          <a:bodyPr vert="horz" wrap="square" lIns="182880" tIns="182880" rIns="182880" bIns="182880" rtlCol="0" anchor="ctr">
+            <a:normAutofit/>
+          </a:bodyPr>
+          <a:lstStyle/>
+          <a:p>
+            <a:pPr rtl="0"/>
+            <a:r>
+              <a:rPr lang="es-ES" dirty="0">
+                <a:solidFill>
+                  <a:srgbClr val="FFFFFF"/>
+                </a:solidFill>
+              </a:rPr>
+              <a:t>Funcionalidad</a:t>
+            </a:r>
+          </a:p>
+        </p:txBody>
+      </p:sp>
+      <p:sp>
+        <p:nvSpPr>
+          <p:cNvPr id="14" name="Marcador de contenido 3">
+            <a:extLst>
+              <a:ext uri="{FF2B5EF4-FFF2-40B4-BE49-F238E27FC236}">
+                <a16:creationId xmlns:a16="http://schemas.microsoft.com/office/drawing/2014/main" id="{5B921374-FE51-4D62-8021-5CDCBA04584C}"/>
+              </a:ext>
+            </a:extLst>
+          </p:cNvPr>
+          <p:cNvSpPr>
+            <a:spLocks noGrp="1"/>
+          </p:cNvSpPr>
+          <p:nvPr>
+            <p:ph idx="1"/>
+          </p:nvPr>
+        </p:nvSpPr>
+        <p:spPr>
+          <a:xfrm>
+            <a:off x="4641417" y="1603385"/>
+            <a:ext cx="5093837" cy="4148320"/>
+          </a:xfrm>
+        </p:spPr>
+        <p:txBody>
+          <a:bodyPr rtlCol="0">
+            <a:noAutofit/>
+          </a:bodyPr>
+          <a:lstStyle/>
+          <a:p>
+            <a:pPr marL="0" indent="0" algn="ctr" rtl="0">
+              <a:buNone/>
+            </a:pPr>
+            <a:r>
+              <a:rPr lang="es-ES" b="1" dirty="0">
+                <a:latin typeface="Arial" panose="020B0604020202020204" pitchFamily="34" charset="0"/>
+                <a:cs typeface="Arial" panose="020B0604020202020204" pitchFamily="34" charset="0"/>
+              </a:rPr>
+              <a:t>Funciones básicas:</a:t>
+            </a:r>
+            <a:endParaRPr lang="es-ES" sz="1600" b="1" dirty="0">
+              <a:latin typeface="Arial" panose="020B0604020202020204" pitchFamily="34" charset="0"/>
+              <a:cs typeface="Arial" panose="020B0604020202020204" pitchFamily="34" charset="0"/>
+            </a:endParaRPr>
+          </a:p>
+          <a:p>
+            <a:pPr marL="228600" lvl="1" indent="0">
+              <a:buNone/>
+            </a:pPr>
+            <a:r>
+              <a:rPr lang="es-ES" dirty="0">
+                <a:latin typeface="Arial" panose="020B0604020202020204" pitchFamily="34" charset="0"/>
+                <a:cs typeface="Arial" panose="020B0604020202020204" pitchFamily="34" charset="0"/>
+              </a:rPr>
+              <a:t>Interfaz de usuario sencilla.</a:t>
+            </a:r>
+          </a:p>
+          <a:p>
+            <a:pPr marL="571500" lvl="1" indent="-342900">
+              <a:buAutoNum type="arabicPeriod"/>
+            </a:pPr>
+            <a:r>
+              <a:rPr lang="es-ES" dirty="0">
+                <a:latin typeface="Arial" panose="020B0604020202020204" pitchFamily="34" charset="0"/>
+                <a:cs typeface="Arial" panose="020B0604020202020204" pitchFamily="34" charset="0"/>
+              </a:rPr>
+              <a:t>Inicio sesión o Registro.</a:t>
+            </a:r>
+          </a:p>
+          <a:p>
+            <a:pPr marL="571500" lvl="1" indent="-342900">
+              <a:buAutoNum type="arabicPeriod"/>
+            </a:pPr>
+            <a:r>
+              <a:rPr lang="es-ES" dirty="0">
+                <a:latin typeface="Arial" panose="020B0604020202020204" pitchFamily="34" charset="0"/>
+                <a:cs typeface="Arial" panose="020B0604020202020204" pitchFamily="34" charset="0"/>
+              </a:rPr>
+              <a:t>Realizar acciones: Pedido/Sugerencias/Reclamos.</a:t>
+            </a:r>
+          </a:p>
+          <a:p>
+            <a:pPr marL="571500" lvl="1" indent="-342900">
+              <a:buAutoNum type="arabicPeriod"/>
+            </a:pPr>
+            <a:r>
+              <a:rPr lang="es-ES" dirty="0">
+                <a:latin typeface="Arial" panose="020B0604020202020204" pitchFamily="34" charset="0"/>
+                <a:cs typeface="Arial" panose="020B0604020202020204" pitchFamily="34" charset="0"/>
+              </a:rPr>
+              <a:t>Opciones de restaurante / Opciones del pedido / Información de contacto de los Restaurantes.</a:t>
+            </a:r>
+          </a:p>
+          <a:p>
+            <a:pPr marL="571500" lvl="1" indent="-342900">
+              <a:buAutoNum type="arabicPeriod"/>
+            </a:pPr>
+            <a:r>
+              <a:rPr lang="es-ES" dirty="0">
+                <a:latin typeface="Arial" panose="020B0604020202020204" pitchFamily="34" charset="0"/>
+                <a:cs typeface="Arial" panose="020B0604020202020204" pitchFamily="34" charset="0"/>
+              </a:rPr>
+              <a:t> Menús de los afiliados. </a:t>
+            </a:r>
+          </a:p>
+          <a:p>
+            <a:pPr marL="571500" lvl="1" indent="-342900">
+              <a:buAutoNum type="arabicPeriod"/>
+            </a:pPr>
+            <a:endParaRPr lang="es-ES" dirty="0">
+              <a:latin typeface="Arial" panose="020B0604020202020204" pitchFamily="34" charset="0"/>
+              <a:cs typeface="Arial" panose="020B0604020202020204" pitchFamily="34" charset="0"/>
+            </a:endParaRPr>
+          </a:p>
+          <a:p>
+            <a:pPr marL="571500" lvl="1" indent="-342900">
+              <a:buAutoNum type="arabicPeriod"/>
+            </a:pPr>
+            <a:endParaRPr lang="es-ES" dirty="0">
+              <a:latin typeface="Arial" panose="020B0604020202020204" pitchFamily="34" charset="0"/>
+              <a:cs typeface="Arial" panose="020B0604020202020204" pitchFamily="34" charset="0"/>
+            </a:endParaRPr>
+          </a:p>
+          <a:p>
+            <a:pPr marL="228600" lvl="1" indent="0">
+              <a:buNone/>
+            </a:pPr>
+            <a:endParaRPr lang="es-ES" dirty="0">
+              <a:latin typeface="Arial" panose="020B0604020202020204" pitchFamily="34" charset="0"/>
+              <a:cs typeface="Arial" panose="020B0604020202020204" pitchFamily="34" charset="0"/>
+            </a:endParaRPr>
+          </a:p>
+          <a:p>
+            <a:pPr marL="228600" lvl="1" indent="0">
+              <a:buNone/>
+            </a:pPr>
+            <a:endParaRPr lang="es-ES" dirty="0">
+              <a:latin typeface="Arial" panose="020B0604020202020204" pitchFamily="34" charset="0"/>
+              <a:cs typeface="Arial" panose="020B0604020202020204" pitchFamily="34" charset="0"/>
+            </a:endParaRPr>
+          </a:p>
+        </p:txBody>
+      </p:sp>
+      <p:pic>
+        <p:nvPicPr>
+          <p:cNvPr id="5" name="Imagen 4">
+            <a:extLst>
+              <a:ext uri="{FF2B5EF4-FFF2-40B4-BE49-F238E27FC236}">
+                <a16:creationId xmlns:a16="http://schemas.microsoft.com/office/drawing/2014/main" id="{625C5487-9E2A-457D-B749-8E82F3A88DD3}"/>
+              </a:ext>
+            </a:extLst>
+          </p:cNvPr>
+          <p:cNvPicPr>
+            <a:picLocks noChangeAspect="1"/>
+          </p:cNvPicPr>
+          <p:nvPr/>
+        </p:nvPicPr>
+        <p:blipFill>
+          <a:blip r:embed="rId3"/>
+          <a:stretch>
+            <a:fillRect/>
+          </a:stretch>
+        </p:blipFill>
+        <p:spPr>
+          <a:xfrm>
+            <a:off x="9871968" y="340972"/>
+            <a:ext cx="2139684" cy="1389489"/>
+          </a:xfrm>
+          <a:prstGeom prst="rect">
+            <a:avLst/>
+          </a:prstGeom>
+          <a:ln>
+            <a:solidFill>
+              <a:schemeClr val="bg1"/>
+            </a:solidFill>
+          </a:ln>
+          <a:effectLst>
+            <a:glow rad="101600">
+              <a:srgbClr val="00FFFF">
+                <a:alpha val="60000"/>
+              </a:srgbClr>
+            </a:glow>
+          </a:effectLst>
+        </p:spPr>
+      </p:pic>
+      <p:pic>
+        <p:nvPicPr>
+          <p:cNvPr id="8" name="Imagen 7">
+            <a:extLst>
+              <a:ext uri="{FF2B5EF4-FFF2-40B4-BE49-F238E27FC236}">
+                <a16:creationId xmlns:a16="http://schemas.microsoft.com/office/drawing/2014/main" id="{D3BA5C4F-A499-4AA8-9672-5A440114D394}"/>
+              </a:ext>
+            </a:extLst>
+          </p:cNvPr>
+          <p:cNvPicPr>
+            <a:picLocks noChangeAspect="1"/>
+          </p:cNvPicPr>
+          <p:nvPr/>
+        </p:nvPicPr>
+        <p:blipFill>
+          <a:blip r:embed="rId4"/>
+          <a:stretch>
+            <a:fillRect/>
+          </a:stretch>
+        </p:blipFill>
+        <p:spPr>
+          <a:xfrm>
+            <a:off x="9871968" y="2071433"/>
+            <a:ext cx="2139684" cy="1606112"/>
+          </a:xfrm>
+          <a:prstGeom prst="rect">
+            <a:avLst/>
+          </a:prstGeom>
+          <a:ln>
+            <a:solidFill>
+              <a:schemeClr val="bg1"/>
+            </a:solidFill>
+          </a:ln>
+          <a:effectLst>
+            <a:glow rad="101600">
+              <a:srgbClr val="00FFFF">
+                <a:alpha val="60000"/>
+              </a:srgbClr>
+            </a:glow>
+          </a:effectLst>
+        </p:spPr>
+      </p:pic>
+      <p:pic>
+        <p:nvPicPr>
+          <p:cNvPr id="10" name="Imagen 9">
+            <a:extLst>
+              <a:ext uri="{FF2B5EF4-FFF2-40B4-BE49-F238E27FC236}">
+                <a16:creationId xmlns:a16="http://schemas.microsoft.com/office/drawing/2014/main" id="{C6B0C0BA-990B-4A60-92A8-D95EFB682C33}"/>
+              </a:ext>
+            </a:extLst>
+          </p:cNvPr>
+          <p:cNvPicPr>
+            <a:picLocks noChangeAspect="1"/>
+          </p:cNvPicPr>
+          <p:nvPr/>
+        </p:nvPicPr>
+        <p:blipFill>
+          <a:blip r:embed="rId5"/>
+          <a:stretch>
+            <a:fillRect/>
+          </a:stretch>
+        </p:blipFill>
+        <p:spPr>
+          <a:xfrm>
+            <a:off x="9871968" y="4176897"/>
+            <a:ext cx="2139685" cy="2299841"/>
+          </a:xfrm>
+          <a:prstGeom prst="rect">
+            <a:avLst/>
+          </a:prstGeom>
+          <a:ln>
+            <a:solidFill>
+              <a:schemeClr val="bg1"/>
+            </a:solidFill>
+          </a:ln>
+          <a:effectLst>
+            <a:glow rad="101600">
+              <a:srgbClr val="00FFFF">
+                <a:alpha val="60000"/>
+              </a:srgbClr>
+            </a:glow>
+          </a:effectLst>
+        </p:spPr>
+      </p:pic>
+      <p:pic>
+        <p:nvPicPr>
+          <p:cNvPr id="12" name="Imagen 11">
+            <a:extLst>
+              <a:ext uri="{FF2B5EF4-FFF2-40B4-BE49-F238E27FC236}">
+                <a16:creationId xmlns:a16="http://schemas.microsoft.com/office/drawing/2014/main" id="{6990F7DD-53B6-4A87-937E-73089BF7BB9F}"/>
+              </a:ext>
+            </a:extLst>
+          </p:cNvPr>
+          <p:cNvPicPr>
+            <a:picLocks noChangeAspect="1"/>
+          </p:cNvPicPr>
+          <p:nvPr/>
+        </p:nvPicPr>
+        <p:blipFill>
+          <a:blip r:embed="rId6"/>
+          <a:stretch>
+            <a:fillRect/>
+          </a:stretch>
+        </p:blipFill>
+        <p:spPr>
+          <a:xfrm>
+            <a:off x="6548728" y="4897306"/>
+            <a:ext cx="3186526" cy="1606112"/>
+          </a:xfrm>
+          <a:prstGeom prst="rect">
+            <a:avLst/>
+          </a:prstGeom>
+          <a:ln>
+            <a:solidFill>
+              <a:schemeClr val="bg1"/>
+            </a:solidFill>
+          </a:ln>
+          <a:effectLst>
+            <a:glow rad="101600">
+              <a:srgbClr val="00FFFF">
+                <a:alpha val="60000"/>
+              </a:srgbClr>
+            </a:glow>
+          </a:effectLst>
+        </p:spPr>
+      </p:pic>
+      <p:pic>
+        <p:nvPicPr>
+          <p:cNvPr id="15" name="Gráfico 14" descr="Menú con relleno sólido">
+            <a:extLst>
+              <a:ext uri="{FF2B5EF4-FFF2-40B4-BE49-F238E27FC236}">
+                <a16:creationId xmlns:a16="http://schemas.microsoft.com/office/drawing/2014/main" id="{CD8BDAEF-E9CA-4289-883C-4A4D856BB5D4}"/>
+              </a:ext>
+            </a:extLst>
+          </p:cNvPr>
+          <p:cNvPicPr>
+            <a:picLocks noChangeAspect="1"/>
+          </p:cNvPicPr>
+          <p:nvPr/>
+        </p:nvPicPr>
+        <p:blipFill>
+          <a:blip r:embed="rId7">
+            <a:extLst>
+              <a:ext uri="{96DAC541-7B7A-43D3-8B79-37D633B846F1}">
+                <asvg:svgBlip xmlns:asvg="http://schemas.microsoft.com/office/drawing/2016/SVG/main" r:embed="rId8"/>
+              </a:ext>
+            </a:extLst>
+          </a:blip>
+          <a:stretch>
+            <a:fillRect/>
+          </a:stretch>
+        </p:blipFill>
+        <p:spPr>
+          <a:xfrm>
+            <a:off x="4687112" y="5751705"/>
+            <a:ext cx="914400" cy="914400"/>
+          </a:xfrm>
+          <a:prstGeom prst="rect">
+            <a:avLst/>
+          </a:prstGeom>
+        </p:spPr>
+      </p:pic>
+    </p:spTree>
+    <p:extLst>
+      <p:ext uri="{BB962C8B-B14F-4D97-AF65-F5344CB8AC3E}">
+        <p14:creationId xmlns:p14="http://schemas.microsoft.com/office/powerpoint/2010/main" val="1357332464"/>
+      </p:ext>
+    </p:extLst>
+  </p:cSld>
+  <p:clrMapOvr>
+    <a:masterClrMapping/>
+  </p:clrMapOvr>
+</p:sld>
+</file>
+
+<file path=ppt/slides/slide8.xml><?xml version="1.0" encoding="utf-8"?>
 <p:sld xmlns:a="http://schemas.openxmlformats.org/drawingml/2006/main" xmlns:r="http://schemas.openxmlformats.org/officeDocument/2006/relationships" xmlns:p="http://schemas.openxmlformats.org/presentationml/2006/main">
   <p:cSld>
     <p:bg>
@@ -9697,7 +10941,7 @@
 </p:sld>
 </file>
 
-<file path=ppt/slides/slide7.xml><?xml version="1.0" encoding="utf-8"?>
+<file path=ppt/slides/slide9.xml><?xml version="1.0" encoding="utf-8"?>
 <p:sld xmlns:a="http://schemas.openxmlformats.org/drawingml/2006/main" xmlns:r="http://schemas.openxmlformats.org/officeDocument/2006/relationships" xmlns:p="http://schemas.openxmlformats.org/presentationml/2006/main">
   <p:cSld>
     <p:bg>
@@ -10610,6 +11854,23 @@
 </file>
 
 <file path=customXml/item1.xml><?xml version="1.0" encoding="utf-8"?>
+<p:properties xmlns:p="http://schemas.microsoft.com/office/2006/metadata/properties" xmlns:xsi="http://www.w3.org/2001/XMLSchema-instance" xmlns:pc="http://schemas.microsoft.com/office/infopath/2007/PartnerControls">
+  <documentManagement>
+    <MediaServiceKeyPoints xmlns="71af3243-3dd4-4a8d-8c0d-dd76da1f02a5" xsi:nil="true"/>
+  </documentManagement>
+</p:properties>
+</file>
+
+<file path=customXml/item2.xml><?xml version="1.0" encoding="utf-8"?>
+<?mso-contentType ?>
+<FormTemplates xmlns="http://schemas.microsoft.com/sharepoint/v3/contenttype/forms">
+  <Display>DocumentLibraryForm</Display>
+  <Edit>DocumentLibraryForm</Edit>
+  <New>DocumentLibraryForm</New>
+</FormTemplates>
+</file>
+
+<file path=customXml/item3.xml><?xml version="1.0" encoding="utf-8"?>
 <ct:contentTypeSchema xmlns:ct="http://schemas.microsoft.com/office/2006/metadata/contentType" xmlns:ma="http://schemas.microsoft.com/office/2006/metadata/properties/metaAttributes" ct:_="" ma:_="" ma:contentTypeName="Document" ma:contentTypeID="0x01010079F111ED35F8CC479449609E8A0923A6" ma:contentTypeVersion="11" ma:contentTypeDescription="Create a new document." ma:contentTypeScope="" ma:versionID="1c2eb7a32e66fb6e4260f3771546a5e2">
   <xsd:schema xmlns:xsd="http://www.w3.org/2001/XMLSchema" xmlns:xs="http://www.w3.org/2001/XMLSchema" xmlns:p="http://schemas.microsoft.com/office/2006/metadata/properties" xmlns:ns2="71af3243-3dd4-4a8d-8c0d-dd76da1f02a5" xmlns:ns3="16c05727-aa75-4e4a-9b5f-8a80a1165891" targetNamespace="http://schemas.microsoft.com/office/2006/metadata/properties" ma:root="true" ma:fieldsID="04e1f6479c48b08974ba73b5ca973489" ns2:_="" ns3:_="">
     <xsd:import namespace="71af3243-3dd4-4a8d-8c0d-dd76da1f02a5"/>
@@ -10820,24 +12081,25 @@
 </ct:contentTypeSchema>
 </file>
 
-<file path=customXml/item2.xml><?xml version="1.0" encoding="utf-8"?>
-<?mso-contentType ?>
-<FormTemplates xmlns="http://schemas.microsoft.com/sharepoint/v3/contenttype/forms">
-  <Display>DocumentLibraryForm</Display>
-  <Edit>DocumentLibraryForm</Edit>
-  <New>DocumentLibraryForm</New>
-</FormTemplates>
+<file path=customXml/itemProps1.xml><?xml version="1.0" encoding="utf-8"?>
+<ds:datastoreItem xmlns:ds="http://schemas.openxmlformats.org/officeDocument/2006/customXml" ds:itemID="{620ED59B-F67D-4B99-A0A7-E5237FF58100}">
+  <ds:schemaRefs>
+    <ds:schemaRef ds:uri="http://schemas.microsoft.com/office/2006/metadata/properties"/>
+    <ds:schemaRef ds:uri="http://schemas.microsoft.com/office/infopath/2007/PartnerControls"/>
+    <ds:schemaRef ds:uri="71af3243-3dd4-4a8d-8c0d-dd76da1f02a5"/>
+  </ds:schemaRefs>
+</ds:datastoreItem>
 </file>
 
-<file path=customXml/item3.xml><?xml version="1.0" encoding="utf-8"?>
-<p:properties xmlns:p="http://schemas.microsoft.com/office/2006/metadata/properties" xmlns:xsi="http://www.w3.org/2001/XMLSchema-instance" xmlns:pc="http://schemas.microsoft.com/office/infopath/2007/PartnerControls">
-  <documentManagement>
-    <MediaServiceKeyPoints xmlns="71af3243-3dd4-4a8d-8c0d-dd76da1f02a5" xsi:nil="true"/>
-  </documentManagement>
-</p:properties>
+<file path=customXml/itemProps2.xml><?xml version="1.0" encoding="utf-8"?>
+<ds:datastoreItem xmlns:ds="http://schemas.openxmlformats.org/officeDocument/2006/customXml" ds:itemID="{3E17AD15-0DEB-4851-82A2-261C041346DD}">
+  <ds:schemaRefs>
+    <ds:schemaRef ds:uri="http://schemas.microsoft.com/sharepoint/v3/contenttype/forms"/>
+  </ds:schemaRefs>
+</ds:datastoreItem>
 </file>
 
-<file path=customXml/itemProps1.xml><?xml version="1.0" encoding="utf-8"?>
+<file path=customXml/itemProps3.xml><?xml version="1.0" encoding="utf-8"?>
 <ds:datastoreItem xmlns:ds="http://schemas.openxmlformats.org/officeDocument/2006/customXml" ds:itemID="{22736BCB-6CE4-414B-B2BE-1DA087E5215C}">
   <ds:schemaRefs>
     <ds:schemaRef ds:uri="http://schemas.microsoft.com/office/2006/metadata/contentType"/>
@@ -10854,22 +12116,4 @@
     <ds:schemaRef ds:uri="http://schemas.microsoft.com/internal/obd"/>
   </ds:schemaRefs>
 </ds:datastoreItem>
-</file>
-
-<file path=customXml/itemProps2.xml><?xml version="1.0" encoding="utf-8"?>
-<ds:datastoreItem xmlns:ds="http://schemas.openxmlformats.org/officeDocument/2006/customXml" ds:itemID="{3E17AD15-0DEB-4851-82A2-261C041346DD}">
-  <ds:schemaRefs>
-    <ds:schemaRef ds:uri="http://schemas.microsoft.com/sharepoint/v3/contenttype/forms"/>
-  </ds:schemaRefs>
-</ds:datastoreItem>
-</file>
-
-<file path=customXml/itemProps3.xml><?xml version="1.0" encoding="utf-8"?>
-<ds:datastoreItem xmlns:ds="http://schemas.openxmlformats.org/officeDocument/2006/customXml" ds:itemID="{620ED59B-F67D-4B99-A0A7-E5237FF58100}">
-  <ds:schemaRefs>
-    <ds:schemaRef ds:uri="http://schemas.microsoft.com/office/2006/metadata/properties"/>
-    <ds:schemaRef ds:uri="http://schemas.microsoft.com/office/infopath/2007/PartnerControls"/>
-    <ds:schemaRef ds:uri="71af3243-3dd4-4a8d-8c0d-dd76da1f02a5"/>
-  </ds:schemaRefs>
-</ds:datastoreItem>
 </file>
--- a/Material Complementario/Just Eats CR.pptx
+++ b/Material Complementario/Just Eats CR.pptx
@@ -5,21 +5,20 @@
     <p:sldMasterId id="2147483828" r:id="rId4"/>
   </p:sldMasterIdLst>
   <p:notesMasterIdLst>
-    <p:notesMasterId r:id="rId14"/>
+    <p:notesMasterId r:id="rId13"/>
   </p:notesMasterIdLst>
   <p:handoutMasterIdLst>
-    <p:handoutMasterId r:id="rId15"/>
+    <p:handoutMasterId r:id="rId14"/>
   </p:handoutMasterIdLst>
   <p:sldIdLst>
     <p:sldId id="256" r:id="rId5"/>
-    <p:sldId id="257" r:id="rId6"/>
-    <p:sldId id="259" r:id="rId7"/>
+    <p:sldId id="266" r:id="rId6"/>
+    <p:sldId id="257" r:id="rId7"/>
     <p:sldId id="258" r:id="rId8"/>
-    <p:sldId id="263" r:id="rId9"/>
-    <p:sldId id="264" r:id="rId10"/>
+    <p:sldId id="267" r:id="rId9"/>
+    <p:sldId id="268" r:id="rId10"/>
     <p:sldId id="265" r:id="rId11"/>
-    <p:sldId id="262" r:id="rId12"/>
-    <p:sldId id="260" r:id="rId13"/>
+    <p:sldId id="260" r:id="rId12"/>
   </p:sldIdLst>
   <p:sldSz cx="12192000" cy="6858000"/>
   <p:notesSz cx="6858000" cy="9144000"/>
@@ -4123,7 +4122,7 @@
     </p:spTree>
     <p:extLst>
       <p:ext uri="{BB962C8B-B14F-4D97-AF65-F5344CB8AC3E}">
-        <p14:creationId xmlns:p14="http://schemas.microsoft.com/office/powerpoint/2010/main" val="963218665"/>
+        <p14:creationId xmlns:p14="http://schemas.microsoft.com/office/powerpoint/2010/main" val="4120589626"/>
       </p:ext>
     </p:extLst>
   </p:cSld>
@@ -4207,7 +4206,7 @@
     </p:spTree>
     <p:extLst>
       <p:ext uri="{BB962C8B-B14F-4D97-AF65-F5344CB8AC3E}">
-        <p14:creationId xmlns:p14="http://schemas.microsoft.com/office/powerpoint/2010/main" val="2757211763"/>
+        <p14:creationId xmlns:p14="http://schemas.microsoft.com/office/powerpoint/2010/main" val="963218665"/>
       </p:ext>
     </p:extLst>
   </p:cSld>
@@ -4375,7 +4374,7 @@
     </p:spTree>
     <p:extLst>
       <p:ext uri="{BB962C8B-B14F-4D97-AF65-F5344CB8AC3E}">
-        <p14:creationId xmlns:p14="http://schemas.microsoft.com/office/powerpoint/2010/main" val="2238877355"/>
+        <p14:creationId xmlns:p14="http://schemas.microsoft.com/office/powerpoint/2010/main" val="456520190"/>
       </p:ext>
     </p:extLst>
   </p:cSld>
@@ -4459,7 +4458,7 @@
     </p:spTree>
     <p:extLst>
       <p:ext uri="{BB962C8B-B14F-4D97-AF65-F5344CB8AC3E}">
-        <p14:creationId xmlns:p14="http://schemas.microsoft.com/office/powerpoint/2010/main" val="2286163948"/>
+        <p14:creationId xmlns:p14="http://schemas.microsoft.com/office/powerpoint/2010/main" val="1223667249"/>
       </p:ext>
     </p:extLst>
   </p:cSld>
@@ -4619,90 +4618,6 @@
             <a:fld id="{3583E773-7C4B-4260-8A45-886C6E4C8EB6}" type="slidenum">
               <a:rPr lang="es-ES" smtClean="0"/>
               <a:t>8</a:t>
-            </a:fld>
-            <a:endParaRPr lang="es-ES" dirty="0"/>
-          </a:p>
-        </p:txBody>
-      </p:sp>
-    </p:spTree>
-    <p:extLst>
-      <p:ext uri="{BB962C8B-B14F-4D97-AF65-F5344CB8AC3E}">
-        <p14:creationId xmlns:p14="http://schemas.microsoft.com/office/powerpoint/2010/main" val="1176525224"/>
-      </p:ext>
-    </p:extLst>
-  </p:cSld>
-  <p:clrMapOvr>
-    <a:masterClrMapping/>
-  </p:clrMapOvr>
-</p:notes>
-</file>
-
-<file path=ppt/notesSlides/notesSlide9.xml><?xml version="1.0" encoding="utf-8"?>
-<p:notes xmlns:a="http://schemas.openxmlformats.org/drawingml/2006/main" xmlns:r="http://schemas.openxmlformats.org/officeDocument/2006/relationships" xmlns:p="http://schemas.openxmlformats.org/presentationml/2006/main">
-  <p:cSld>
-    <p:spTree>
-      <p:nvGrpSpPr>
-        <p:cNvPr id="1" name=""/>
-        <p:cNvGrpSpPr/>
-        <p:nvPr/>
-      </p:nvGrpSpPr>
-      <p:grpSpPr>
-        <a:xfrm>
-          <a:off x="0" y="0"/>
-          <a:ext cx="0" cy="0"/>
-          <a:chOff x="0" y="0"/>
-          <a:chExt cx="0" cy="0"/>
-        </a:xfrm>
-      </p:grpSpPr>
-      <p:sp>
-        <p:nvSpPr>
-          <p:cNvPr id="2" name="Marcador de imagen de diapositiva 1"/>
-          <p:cNvSpPr>
-            <a:spLocks noGrp="1" noRot="1" noChangeAspect="1"/>
-          </p:cNvSpPr>
-          <p:nvPr>
-            <p:ph type="sldImg"/>
-          </p:nvPr>
-        </p:nvSpPr>
-        <p:spPr/>
-      </p:sp>
-      <p:sp>
-        <p:nvSpPr>
-          <p:cNvPr id="3" name="Marcador de notas 2"/>
-          <p:cNvSpPr>
-            <a:spLocks noGrp="1"/>
-          </p:cNvSpPr>
-          <p:nvPr>
-            <p:ph type="body" idx="1"/>
-          </p:nvPr>
-        </p:nvSpPr>
-        <p:spPr/>
-        <p:txBody>
-          <a:bodyPr/>
-          <a:lstStyle/>
-          <a:p>
-            <a:endParaRPr lang="es-ES" dirty="0"/>
-          </a:p>
-        </p:txBody>
-      </p:sp>
-      <p:sp>
-        <p:nvSpPr>
-          <p:cNvPr id="4" name="Marcador de número de diapositiva 3"/>
-          <p:cNvSpPr>
-            <a:spLocks noGrp="1"/>
-          </p:cNvSpPr>
-          <p:nvPr>
-            <p:ph type="sldNum" sz="quarter" idx="10"/>
-          </p:nvPr>
-        </p:nvSpPr>
-        <p:spPr/>
-        <p:txBody>
-          <a:bodyPr/>
-          <a:lstStyle/>
-          <a:p>
-            <a:fld id="{3583E773-7C4B-4260-8A45-886C6E4C8EB6}" type="slidenum">
-              <a:rPr lang="es-ES" smtClean="0"/>
-              <a:t>9</a:t>
             </a:fld>
             <a:endParaRPr lang="es-ES" dirty="0"/>
           </a:p>
@@ -8308,6 +8223,308 @@
       </p:grpSpPr>
       <p:sp useBgFill="1">
         <p:nvSpPr>
+          <p:cNvPr id="18" name="Rectángulo 17">
+            <a:extLst>
+              <a:ext uri="{FF2B5EF4-FFF2-40B4-BE49-F238E27FC236}">
+                <a16:creationId xmlns:a16="http://schemas.microsoft.com/office/drawing/2014/main" id="{0AF33C27-9C85-4B30-9AD7-879D48AFE4FF}"/>
+              </a:ext>
+              <a:ext uri="{C183D7F6-B498-43B3-948B-1728B52AA6E4}">
+                <adec:decorative xmlns:adec="http://schemas.microsoft.com/office/drawing/2017/decorative" val="1"/>
+              </a:ext>
+            </a:extLst>
+          </p:cNvPr>
+          <p:cNvSpPr>
+            <a:spLocks noGrp="1" noRot="1" noChangeAspect="1" noMove="1" noResize="1" noEditPoints="1" noAdjustHandles="1" noChangeArrowheads="1" noChangeShapeType="1" noTextEdit="1"/>
+          </p:cNvSpPr>
+          <p:nvPr>
+            <p:extLst>
+              <p:ext uri="{386F3935-93C4-4BCD-93E2-E3B085C9AB24}">
+                <p16:designElem xmlns:p16="http://schemas.microsoft.com/office/powerpoint/2015/main" val="1"/>
+              </p:ext>
+            </p:extLst>
+          </p:nvPr>
+        </p:nvSpPr>
+        <p:spPr>
+          <a:xfrm>
+            <a:off x="0" y="0"/>
+            <a:ext cx="12191999" cy="6858000"/>
+          </a:xfrm>
+          <a:prstGeom prst="rect">
+            <a:avLst/>
+          </a:prstGeom>
+          <a:ln>
+            <a:noFill/>
+          </a:ln>
+        </p:spPr>
+        <p:style>
+          <a:lnRef idx="2">
+            <a:schemeClr val="accent1">
+              <a:shade val="50000"/>
+            </a:schemeClr>
+          </a:lnRef>
+          <a:fillRef idx="1">
+            <a:schemeClr val="accent1"/>
+          </a:fillRef>
+          <a:effectRef idx="0">
+            <a:schemeClr val="accent1"/>
+          </a:effectRef>
+          <a:fontRef idx="minor">
+            <a:schemeClr val="lt1"/>
+          </a:fontRef>
+        </p:style>
+        <p:txBody>
+          <a:bodyPr rtlCol="0" anchor="ctr"/>
+          <a:lstStyle/>
+          <a:p>
+            <a:pPr algn="ctr" rtl="0"/>
+            <a:endParaRPr lang="es-ES" dirty="0"/>
+          </a:p>
+        </p:txBody>
+      </p:sp>
+      <p:sp>
+        <p:nvSpPr>
+          <p:cNvPr id="20" name="Rectángulo 19">
+            <a:extLst>
+              <a:ext uri="{FF2B5EF4-FFF2-40B4-BE49-F238E27FC236}">
+                <a16:creationId xmlns:a16="http://schemas.microsoft.com/office/drawing/2014/main" id="{6D5089DD-882D-4413-B8BF-4798BFD84A98}"/>
+              </a:ext>
+              <a:ext uri="{C183D7F6-B498-43B3-948B-1728B52AA6E4}">
+                <adec:decorative xmlns:adec="http://schemas.microsoft.com/office/drawing/2017/decorative" val="1"/>
+              </a:ext>
+            </a:extLst>
+          </p:cNvPr>
+          <p:cNvSpPr>
+            <a:spLocks noGrp="1" noRot="1" noChangeAspect="1" noMove="1" noResize="1" noEditPoints="1" noAdjustHandles="1" noChangeArrowheads="1" noChangeShapeType="1" noTextEdit="1"/>
+          </p:cNvSpPr>
+          <p:nvPr>
+            <p:extLst>
+              <p:ext uri="{386F3935-93C4-4BCD-93E2-E3B085C9AB24}">
+                <p16:designElem xmlns:p16="http://schemas.microsoft.com/office/powerpoint/2015/main" val="1"/>
+              </p:ext>
+            </p:extLst>
+          </p:nvPr>
+        </p:nvSpPr>
+        <p:spPr>
+          <a:xfrm>
+            <a:off x="7537704" y="0"/>
+            <a:ext cx="4654296" cy="6858000"/>
+          </a:xfrm>
+          <a:prstGeom prst="rect">
+            <a:avLst/>
+          </a:prstGeom>
+          <a:solidFill>
+            <a:schemeClr val="tx1">
+              <a:lumMod val="95000"/>
+              <a:lumOff val="5000"/>
+            </a:schemeClr>
+          </a:solidFill>
+          <a:ln>
+            <a:noFill/>
+          </a:ln>
+        </p:spPr>
+        <p:style>
+          <a:lnRef idx="2">
+            <a:schemeClr val="accent1">
+              <a:shade val="50000"/>
+            </a:schemeClr>
+          </a:lnRef>
+          <a:fillRef idx="1">
+            <a:schemeClr val="accent1"/>
+          </a:fillRef>
+          <a:effectRef idx="0">
+            <a:schemeClr val="accent1"/>
+          </a:effectRef>
+          <a:fontRef idx="minor">
+            <a:schemeClr val="lt1"/>
+          </a:fontRef>
+        </p:style>
+        <p:txBody>
+          <a:bodyPr rtlCol="0" anchor="ctr"/>
+          <a:lstStyle/>
+          <a:p>
+            <a:pPr algn="ctr" rtl="0"/>
+            <a:endParaRPr lang="es-ES" dirty="0"/>
+          </a:p>
+        </p:txBody>
+      </p:sp>
+      <p:sp>
+        <p:nvSpPr>
+          <p:cNvPr id="2" name="Título 1">
+            <a:extLst>
+              <a:ext uri="{FF2B5EF4-FFF2-40B4-BE49-F238E27FC236}">
+                <a16:creationId xmlns:a16="http://schemas.microsoft.com/office/drawing/2014/main" id="{8EB78894-19E5-4916-B37E-B4A80B9B8D52}"/>
+              </a:ext>
+            </a:extLst>
+          </p:cNvPr>
+          <p:cNvSpPr>
+            <a:spLocks noGrp="1"/>
+          </p:cNvSpPr>
+          <p:nvPr>
+            <p:ph type="title"/>
+          </p:nvPr>
+        </p:nvSpPr>
+        <p:spPr>
+          <a:xfrm>
+            <a:off x="8181171" y="2681103"/>
+            <a:ext cx="3363974" cy="1495794"/>
+          </a:xfrm>
+          <a:noFill/>
+          <a:ln>
+            <a:solidFill>
+              <a:srgbClr val="FFFFFF"/>
+            </a:solidFill>
+          </a:ln>
+          <a:effectLst>
+            <a:glow rad="152400">
+              <a:schemeClr val="bg1">
+                <a:alpha val="13000"/>
+              </a:schemeClr>
+            </a:glow>
+          </a:effectLst>
+        </p:spPr>
+        <p:txBody>
+          <a:bodyPr wrap="square" rtlCol="0">
+            <a:normAutofit/>
+          </a:bodyPr>
+          <a:lstStyle/>
+          <a:p>
+            <a:pPr rtl="0"/>
+            <a:r>
+              <a:rPr lang="es-ES" dirty="0">
+                <a:solidFill>
+                  <a:srgbClr val="FFFFFF"/>
+                </a:solidFill>
+              </a:rPr>
+              <a:t>Just </a:t>
+            </a:r>
+            <a:r>
+              <a:rPr lang="es-ES" dirty="0" err="1">
+                <a:solidFill>
+                  <a:srgbClr val="FFFFFF"/>
+                </a:solidFill>
+              </a:rPr>
+              <a:t>Eats</a:t>
+            </a:r>
+            <a:endParaRPr lang="es-ES" dirty="0">
+              <a:solidFill>
+                <a:srgbClr val="FFFFFF"/>
+              </a:solidFill>
+            </a:endParaRPr>
+          </a:p>
+        </p:txBody>
+      </p:sp>
+      <p:sp>
+        <p:nvSpPr>
+          <p:cNvPr id="10" name="Marcador de contenido 3">
+            <a:extLst>
+              <a:ext uri="{FF2B5EF4-FFF2-40B4-BE49-F238E27FC236}">
+                <a16:creationId xmlns:a16="http://schemas.microsoft.com/office/drawing/2014/main" id="{A14CEF7B-2FC4-4BB5-B946-25EC5410E9DF}"/>
+              </a:ext>
+            </a:extLst>
+          </p:cNvPr>
+          <p:cNvSpPr>
+            <a:spLocks noGrp="1"/>
+          </p:cNvSpPr>
+          <p:nvPr>
+            <p:ph idx="1"/>
+          </p:nvPr>
+        </p:nvSpPr>
+        <p:spPr>
+          <a:xfrm>
+            <a:off x="780627" y="1742918"/>
+            <a:ext cx="6250770" cy="2910482"/>
+          </a:xfrm>
+        </p:spPr>
+        <p:txBody>
+          <a:bodyPr rtlCol="0">
+            <a:noAutofit/>
+          </a:bodyPr>
+          <a:lstStyle/>
+          <a:p>
+            <a:pPr rtl="0"/>
+            <a:r>
+              <a:rPr lang="es-ES" sz="1600" dirty="0">
+                <a:latin typeface="Arial" panose="020B0604020202020204" pitchFamily="34" charset="0"/>
+                <a:cs typeface="Arial" panose="020B0604020202020204" pitchFamily="34" charset="0"/>
+              </a:rPr>
+              <a:t>La idea, fue conceptualizada, como una alternativa a la compra directa en los restaurantes. Esto, principalmente, motivado por la Pandemia de </a:t>
+            </a:r>
+            <a:r>
+              <a:rPr lang="es-ES" sz="1600" dirty="0" err="1">
+                <a:latin typeface="Arial" panose="020B0604020202020204" pitchFamily="34" charset="0"/>
+                <a:cs typeface="Arial" panose="020B0604020202020204" pitchFamily="34" charset="0"/>
+              </a:rPr>
+              <a:t>Covid</a:t>
+            </a:r>
+            <a:r>
+              <a:rPr lang="es-ES" sz="1600" dirty="0">
+                <a:latin typeface="Arial" panose="020B0604020202020204" pitchFamily="34" charset="0"/>
+                <a:cs typeface="Arial" panose="020B0604020202020204" pitchFamily="34" charset="0"/>
+              </a:rPr>
+              <a:t> -19 que ha golpeado al mundo.</a:t>
+            </a:r>
+          </a:p>
+          <a:p>
+            <a:r>
+              <a:rPr lang="es-ES" sz="1600" dirty="0">
+                <a:latin typeface="Arial" panose="020B0604020202020204" pitchFamily="34" charset="0"/>
+                <a:cs typeface="Arial" panose="020B0604020202020204" pitchFamily="34" charset="0"/>
+              </a:rPr>
+              <a:t>Los datos del Instituto Nacional de Estadísticas y Censos (INEC) indican que aproximadamente el 96.3% de las familias costarricenses tienen acceso a un teléfono celular por familia.</a:t>
+            </a:r>
+          </a:p>
+          <a:p>
+            <a:pPr rtl="0"/>
+            <a:r>
+              <a:rPr lang="es-ES" sz="1600" dirty="0">
+                <a:latin typeface="Arial" panose="020B0604020202020204" pitchFamily="34" charset="0"/>
+                <a:cs typeface="Arial" panose="020B0604020202020204" pitchFamily="34" charset="0"/>
+              </a:rPr>
+              <a:t>Para solventarlo, se pensó en un modelo que permita a los usuarios comprar desde la aplicación y que pudiera disfrutar de ese pedido en minutos.</a:t>
+            </a:r>
+          </a:p>
+        </p:txBody>
+      </p:sp>
+    </p:spTree>
+    <p:extLst>
+      <p:ext uri="{BB962C8B-B14F-4D97-AF65-F5344CB8AC3E}">
+        <p14:creationId xmlns:p14="http://schemas.microsoft.com/office/powerpoint/2010/main" val="4010632758"/>
+      </p:ext>
+    </p:extLst>
+  </p:cSld>
+  <p:clrMapOvr>
+    <a:masterClrMapping/>
+  </p:clrMapOvr>
+</p:sld>
+</file>
+
+<file path=ppt/slides/slide3.xml><?xml version="1.0" encoding="utf-8"?>
+<p:sld xmlns:a="http://schemas.openxmlformats.org/drawingml/2006/main" xmlns:r="http://schemas.openxmlformats.org/officeDocument/2006/relationships" xmlns:p="http://schemas.openxmlformats.org/presentationml/2006/main">
+  <p:cSld>
+    <p:bg>
+      <p:bgPr>
+        <a:solidFill>
+          <a:schemeClr val="bg1"/>
+        </a:solidFill>
+        <a:effectLst/>
+      </p:bgPr>
+    </p:bg>
+    <p:spTree>
+      <p:nvGrpSpPr>
+        <p:cNvPr id="1" name=""/>
+        <p:cNvGrpSpPr/>
+        <p:nvPr/>
+      </p:nvGrpSpPr>
+      <p:grpSpPr>
+        <a:xfrm>
+          <a:off x="0" y="0"/>
+          <a:ext cx="0" cy="0"/>
+          <a:chOff x="0" y="0"/>
+          <a:chExt cx="0" cy="0"/>
+        </a:xfrm>
+      </p:grpSpPr>
+      <p:sp useBgFill="1">
+        <p:nvSpPr>
           <p:cNvPr id="10" name="Rectángulo 9">
             <a:extLst>
               <a:ext uri="{FF2B5EF4-FFF2-40B4-BE49-F238E27FC236}">
@@ -8553,294 +8770,6 @@
     <p:extLst>
       <p:ext uri="{BB962C8B-B14F-4D97-AF65-F5344CB8AC3E}">
         <p14:creationId xmlns:p14="http://schemas.microsoft.com/office/powerpoint/2010/main" val="3424314505"/>
-      </p:ext>
-    </p:extLst>
-  </p:cSld>
-  <p:clrMapOvr>
-    <a:masterClrMapping/>
-  </p:clrMapOvr>
-</p:sld>
-</file>
-
-<file path=ppt/slides/slide3.xml><?xml version="1.0" encoding="utf-8"?>
-<p:sld xmlns:a="http://schemas.openxmlformats.org/drawingml/2006/main" xmlns:r="http://schemas.openxmlformats.org/officeDocument/2006/relationships" xmlns:p="http://schemas.openxmlformats.org/presentationml/2006/main">
-  <p:cSld>
-    <p:bg>
-      <p:bgPr>
-        <a:solidFill>
-          <a:schemeClr val="bg1"/>
-        </a:solidFill>
-        <a:effectLst/>
-      </p:bgPr>
-    </p:bg>
-    <p:spTree>
-      <p:nvGrpSpPr>
-        <p:cNvPr id="1" name=""/>
-        <p:cNvGrpSpPr/>
-        <p:nvPr/>
-      </p:nvGrpSpPr>
-      <p:grpSpPr>
-        <a:xfrm>
-          <a:off x="0" y="0"/>
-          <a:ext cx="0" cy="0"/>
-          <a:chOff x="0" y="0"/>
-          <a:chExt cx="0" cy="0"/>
-        </a:xfrm>
-      </p:grpSpPr>
-      <p:sp useBgFill="1">
-        <p:nvSpPr>
-          <p:cNvPr id="18" name="Rectángulo 17">
-            <a:extLst>
-              <a:ext uri="{FF2B5EF4-FFF2-40B4-BE49-F238E27FC236}">
-                <a16:creationId xmlns:a16="http://schemas.microsoft.com/office/drawing/2014/main" id="{93F0ADB5-A0B4-4B01-A8C4-FDC34CE22BD4}"/>
-              </a:ext>
-              <a:ext uri="{C183D7F6-B498-43B3-948B-1728B52AA6E4}">
-                <adec:decorative xmlns:adec="http://schemas.microsoft.com/office/drawing/2017/decorative" val="1"/>
-              </a:ext>
-            </a:extLst>
-          </p:cNvPr>
-          <p:cNvSpPr>
-            <a:spLocks noGrp="1" noRot="1" noChangeAspect="1" noMove="1" noResize="1" noEditPoints="1" noAdjustHandles="1" noChangeArrowheads="1" noChangeShapeType="1" noTextEdit="1"/>
-          </p:cNvSpPr>
-          <p:nvPr>
-            <p:extLst>
-              <p:ext uri="{386F3935-93C4-4BCD-93E2-E3B085C9AB24}">
-                <p16:designElem xmlns:p16="http://schemas.microsoft.com/office/powerpoint/2015/main" val="1"/>
-              </p:ext>
-            </p:extLst>
-          </p:nvPr>
-        </p:nvSpPr>
-        <p:spPr>
-          <a:xfrm>
-            <a:off x="0" y="0"/>
-            <a:ext cx="12191999" cy="6858000"/>
-          </a:xfrm>
-          <a:prstGeom prst="rect">
-            <a:avLst/>
-          </a:prstGeom>
-          <a:ln>
-            <a:noFill/>
-          </a:ln>
-        </p:spPr>
-        <p:style>
-          <a:lnRef idx="2">
-            <a:schemeClr val="accent1">
-              <a:shade val="50000"/>
-            </a:schemeClr>
-          </a:lnRef>
-          <a:fillRef idx="1">
-            <a:schemeClr val="accent1"/>
-          </a:fillRef>
-          <a:effectRef idx="0">
-            <a:schemeClr val="accent1"/>
-          </a:effectRef>
-          <a:fontRef idx="minor">
-            <a:schemeClr val="lt1"/>
-          </a:fontRef>
-        </p:style>
-        <p:txBody>
-          <a:bodyPr rtlCol="0" anchor="ctr"/>
-          <a:lstStyle/>
-          <a:p>
-            <a:pPr algn="ctr" rtl="0"/>
-            <a:endParaRPr lang="es-ES" dirty="0"/>
-          </a:p>
-        </p:txBody>
-      </p:sp>
-      <p:sp>
-        <p:nvSpPr>
-          <p:cNvPr id="20" name="Rectángulo 19">
-            <a:extLst>
-              <a:ext uri="{FF2B5EF4-FFF2-40B4-BE49-F238E27FC236}">
-                <a16:creationId xmlns:a16="http://schemas.microsoft.com/office/drawing/2014/main" id="{AA6D0FDE-0241-4C21-A720-A69475358235}"/>
-              </a:ext>
-              <a:ext uri="{C183D7F6-B498-43B3-948B-1728B52AA6E4}">
-                <adec:decorative xmlns:adec="http://schemas.microsoft.com/office/drawing/2017/decorative" val="1"/>
-              </a:ext>
-            </a:extLst>
-          </p:cNvPr>
-          <p:cNvSpPr>
-            <a:spLocks noGrp="1" noRot="1" noChangeAspect="1" noMove="1" noResize="1" noEditPoints="1" noAdjustHandles="1" noChangeArrowheads="1" noChangeShapeType="1" noTextEdit="1"/>
-          </p:cNvSpPr>
-          <p:nvPr>
-            <p:extLst>
-              <p:ext uri="{386F3935-93C4-4BCD-93E2-E3B085C9AB24}">
-                <p16:designElem xmlns:p16="http://schemas.microsoft.com/office/powerpoint/2015/main" val="1"/>
-              </p:ext>
-            </p:extLst>
-          </p:nvPr>
-        </p:nvSpPr>
-        <p:spPr>
-          <a:xfrm>
-            <a:off x="0" y="0"/>
-            <a:ext cx="4654296" cy="6858000"/>
-          </a:xfrm>
-          <a:prstGeom prst="rect">
-            <a:avLst/>
-          </a:prstGeom>
-          <a:solidFill>
-            <a:schemeClr val="tx1">
-              <a:lumMod val="95000"/>
-              <a:lumOff val="5000"/>
-            </a:schemeClr>
-          </a:solidFill>
-          <a:ln>
-            <a:noFill/>
-          </a:ln>
-        </p:spPr>
-        <p:style>
-          <a:lnRef idx="0">
-            <a:scrgbClr r="0" g="0" b="0"/>
-          </a:lnRef>
-          <a:fillRef idx="0">
-            <a:scrgbClr r="0" g="0" b="0"/>
-          </a:fillRef>
-          <a:effectRef idx="0">
-            <a:scrgbClr r="0" g="0" b="0"/>
-          </a:effectRef>
-          <a:fontRef idx="minor">
-            <a:schemeClr val="lt1"/>
-          </a:fontRef>
-        </p:style>
-        <p:txBody>
-          <a:bodyPr rtlCol="0" anchor="ctr"/>
-          <a:lstStyle/>
-          <a:p>
-            <a:pPr algn="ctr" rtl="0"/>
-            <a:endParaRPr lang="es-ES" dirty="0"/>
-          </a:p>
-        </p:txBody>
-      </p:sp>
-      <p:sp>
-        <p:nvSpPr>
-          <p:cNvPr id="2" name="Título 1">
-            <a:extLst>
-              <a:ext uri="{FF2B5EF4-FFF2-40B4-BE49-F238E27FC236}">
-                <a16:creationId xmlns:a16="http://schemas.microsoft.com/office/drawing/2014/main" id="{15115107-5DA3-4397-A1DA-67705DAE1EC2}"/>
-              </a:ext>
-            </a:extLst>
-          </p:cNvPr>
-          <p:cNvSpPr>
-            <a:spLocks noGrp="1"/>
-          </p:cNvSpPr>
-          <p:nvPr>
-            <p:ph type="title"/>
-          </p:nvPr>
-        </p:nvSpPr>
-        <p:spPr>
-          <a:xfrm>
-            <a:off x="643467" y="2681103"/>
-            <a:ext cx="3363974" cy="1495794"/>
-          </a:xfrm>
-          <a:noFill/>
-          <a:ln w="31750" cap="sq">
-            <a:solidFill>
-              <a:srgbClr val="FFFFFF"/>
-            </a:solidFill>
-            <a:miter lim="800000"/>
-          </a:ln>
-          <a:effectLst>
-            <a:glow rad="152400">
-              <a:schemeClr val="bg1">
-                <a:alpha val="13000"/>
-              </a:schemeClr>
-            </a:glow>
-          </a:effectLst>
-        </p:spPr>
-        <p:txBody>
-          <a:bodyPr vert="horz" wrap="square" lIns="182880" tIns="182880" rIns="182880" bIns="182880" rtlCol="0" anchor="ctr">
-            <a:normAutofit/>
-          </a:bodyPr>
-          <a:lstStyle/>
-          <a:p>
-            <a:pPr rtl="0"/>
-            <a:r>
-              <a:rPr lang="es-ES" dirty="0">
-                <a:solidFill>
-                  <a:srgbClr val="FFFFFF"/>
-                </a:solidFill>
-              </a:rPr>
-              <a:t>Just Eats</a:t>
-            </a:r>
-          </a:p>
-        </p:txBody>
-      </p:sp>
-      <p:sp>
-        <p:nvSpPr>
-          <p:cNvPr id="8" name="Marcador de contenido 3">
-            <a:extLst>
-              <a:ext uri="{FF2B5EF4-FFF2-40B4-BE49-F238E27FC236}">
-                <a16:creationId xmlns:a16="http://schemas.microsoft.com/office/drawing/2014/main" id="{FF6B42AC-EE7D-4EB7-B39A-9ECB7109BB64}"/>
-              </a:ext>
-            </a:extLst>
-          </p:cNvPr>
-          <p:cNvSpPr>
-            <a:spLocks noGrp="1"/>
-          </p:cNvSpPr>
-          <p:nvPr>
-            <p:ph idx="1"/>
-          </p:nvPr>
-        </p:nvSpPr>
-        <p:spPr>
-          <a:xfrm>
-            <a:off x="5297763" y="2011142"/>
-            <a:ext cx="6250770" cy="2910482"/>
-          </a:xfrm>
-        </p:spPr>
-        <p:txBody>
-          <a:bodyPr rtlCol="0">
-            <a:noAutofit/>
-          </a:bodyPr>
-          <a:lstStyle/>
-          <a:p>
-            <a:pPr rtl="0"/>
-            <a:r>
-              <a:rPr lang="es-ES" sz="1600" dirty="0">
-                <a:latin typeface="Arial" panose="020B0604020202020204" pitchFamily="34" charset="0"/>
-                <a:cs typeface="Arial" panose="020B0604020202020204" pitchFamily="34" charset="0"/>
-              </a:rPr>
-              <a:t>La idea, fue conceptualizada, como una alternativa a la compra directa en los restaurantes. Esto, principalmente, motivado por la Pandemia de </a:t>
-            </a:r>
-            <a:r>
-              <a:rPr lang="es-ES" sz="1600" dirty="0" err="1">
-                <a:latin typeface="Arial" panose="020B0604020202020204" pitchFamily="34" charset="0"/>
-                <a:cs typeface="Arial" panose="020B0604020202020204" pitchFamily="34" charset="0"/>
-              </a:rPr>
-              <a:t>Covid</a:t>
-            </a:r>
-            <a:r>
-              <a:rPr lang="es-ES" sz="1600" dirty="0">
-                <a:latin typeface="Arial" panose="020B0604020202020204" pitchFamily="34" charset="0"/>
-                <a:cs typeface="Arial" panose="020B0604020202020204" pitchFamily="34" charset="0"/>
-              </a:rPr>
-              <a:t> -19 que ha golpeado al mundo.</a:t>
-            </a:r>
-          </a:p>
-          <a:p>
-            <a:r>
-              <a:rPr lang="es-ES" sz="1600" dirty="0">
-                <a:latin typeface="Arial" panose="020B0604020202020204" pitchFamily="34" charset="0"/>
-                <a:cs typeface="Arial" panose="020B0604020202020204" pitchFamily="34" charset="0"/>
-              </a:rPr>
-              <a:t>Los datos del Instituto Nacional de Estadísticas y Censos (INEC) indican que aproximadamente el 96.3% de las familias costarricenses tienen acceso a un teléfono celular por familia.</a:t>
-            </a:r>
-          </a:p>
-          <a:p>
-            <a:pPr rtl="0"/>
-            <a:r>
-              <a:rPr lang="es-ES" sz="1600" dirty="0">
-                <a:latin typeface="Arial" panose="020B0604020202020204" pitchFamily="34" charset="0"/>
-                <a:cs typeface="Arial" panose="020B0604020202020204" pitchFamily="34" charset="0"/>
-              </a:rPr>
-              <a:t>Para solventarlo, se pensó en un modelo que permita a los usuarios comprar desde la aplicación y que pudiera disfrutar de ese pedido en minutos.</a:t>
-            </a:r>
-          </a:p>
-        </p:txBody>
-      </p:sp>
-    </p:spTree>
-    <p:extLst>
-      <p:ext uri="{BB962C8B-B14F-4D97-AF65-F5344CB8AC3E}">
-        <p14:creationId xmlns:p14="http://schemas.microsoft.com/office/powerpoint/2010/main" val="2067005262"/>
       </p:ext>
     </p:extLst>
   </p:cSld>
@@ -9354,8 +9283,8 @@
         </p:nvSpPr>
         <p:spPr>
           <a:xfrm>
-            <a:off x="643467" y="2681103"/>
-            <a:ext cx="3363974" cy="1495794"/>
+            <a:off x="426128" y="2681103"/>
+            <a:ext cx="3581313" cy="1495794"/>
           </a:xfrm>
           <a:noFill/>
           <a:ln w="31750" cap="sq">
@@ -9374,33 +9303,28 @@
         </p:spPr>
         <p:txBody>
           <a:bodyPr vert="horz" wrap="square" lIns="182880" tIns="182880" rIns="182880" bIns="182880" rtlCol="0" anchor="ctr">
-            <a:normAutofit fontScale="90000"/>
+            <a:normAutofit/>
           </a:bodyPr>
           <a:lstStyle/>
           <a:p>
             <a:pPr rtl="0"/>
             <a:r>
-              <a:rPr lang="es-ES">
+              <a:rPr lang="es-ES" dirty="0">
                 <a:solidFill>
                   <a:srgbClr val="FFFFFF"/>
                 </a:solidFill>
               </a:rPr>
               <a:t>Bases Técnicas del APP</a:t>
             </a:r>
-            <a:endParaRPr lang="es-ES" dirty="0">
-              <a:solidFill>
-                <a:srgbClr val="FFFFFF"/>
-              </a:solidFill>
-            </a:endParaRPr>
           </a:p>
         </p:txBody>
       </p:sp>
       <p:sp>
         <p:nvSpPr>
-          <p:cNvPr id="14" name="Marcador de contenido 3">
+          <p:cNvPr id="13" name="Marcador de contenido 3">
             <a:extLst>
               <a:ext uri="{FF2B5EF4-FFF2-40B4-BE49-F238E27FC236}">
-                <a16:creationId xmlns:a16="http://schemas.microsoft.com/office/drawing/2014/main" id="{5B921374-FE51-4D62-8021-5CDCBA04584C}"/>
+                <a16:creationId xmlns:a16="http://schemas.microsoft.com/office/drawing/2014/main" id="{9E61BC02-EA07-4A3C-AF6D-8E79DEC8C433}"/>
               </a:ext>
             </a:extLst>
           </p:cNvPr>
@@ -9413,8 +9337,8 @@
         </p:nvSpPr>
         <p:spPr>
           <a:xfrm>
-            <a:off x="5512653" y="1224436"/>
-            <a:ext cx="5820988" cy="4148320"/>
+            <a:off x="5620333" y="1271940"/>
+            <a:ext cx="5245967" cy="4314119"/>
           </a:xfrm>
         </p:spPr>
         <p:txBody>
@@ -9444,16 +9368,30 @@
                 <a:latin typeface="Arial" panose="020B0604020202020204" pitchFamily="34" charset="0"/>
                 <a:cs typeface="Arial" panose="020B0604020202020204" pitchFamily="34" charset="0"/>
               </a:rPr>
-              <a:t>Interfaz de inicio de Sesión o Registro</a:t>
-            </a:r>
-          </a:p>
-          <a:p>
+              <a:t>En el desarrollo se considero tener 6 clases para que junto con el </a:t>
+            </a:r>
+            <a:r>
+              <a:rPr lang="en-US" sz="1600" dirty="0">
+                <a:latin typeface="Arial" panose="020B0604020202020204" pitchFamily="34" charset="0"/>
+                <a:cs typeface="Arial" panose="020B0604020202020204" pitchFamily="34" charset="0"/>
+              </a:rPr>
+              <a:t>main</a:t>
+            </a:r>
             <a:r>
               <a:rPr lang="es-ES" sz="1600" dirty="0">
                 <a:latin typeface="Arial" panose="020B0604020202020204" pitchFamily="34" charset="0"/>
                 <a:cs typeface="Arial" panose="020B0604020202020204" pitchFamily="34" charset="0"/>
               </a:rPr>
-              <a:t>Ventana de Selección:</a:t>
+              <a:t> formaran la App completa </a:t>
+            </a:r>
+          </a:p>
+          <a:p>
+            <a:r>
+              <a:rPr lang="es-ES" sz="1600" dirty="0">
+                <a:latin typeface="Arial" panose="020B0604020202020204" pitchFamily="34" charset="0"/>
+                <a:cs typeface="Arial" panose="020B0604020202020204" pitchFamily="34" charset="0"/>
+              </a:rPr>
+              <a:t>Clases:</a:t>
             </a:r>
           </a:p>
           <a:p>
@@ -9466,7 +9404,7 @@
                 <a:latin typeface="Arial" panose="020B0604020202020204" pitchFamily="34" charset="0"/>
                 <a:cs typeface="Arial" panose="020B0604020202020204" pitchFamily="34" charset="0"/>
               </a:rPr>
-              <a:t>Realizar pedidos.</a:t>
+              <a:t>Cliente.</a:t>
             </a:r>
           </a:p>
           <a:p>
@@ -9479,7 +9417,7 @@
                 <a:latin typeface="Arial" panose="020B0604020202020204" pitchFamily="34" charset="0"/>
                 <a:cs typeface="Arial" panose="020B0604020202020204" pitchFamily="34" charset="0"/>
               </a:rPr>
-              <a:t>Reclamos / Sugerencias.</a:t>
+              <a:t>Factura.</a:t>
             </a:r>
           </a:p>
           <a:p>
@@ -9492,7 +9430,58 @@
                 <a:latin typeface="Arial" panose="020B0604020202020204" pitchFamily="34" charset="0"/>
                 <a:cs typeface="Arial" panose="020B0604020202020204" pitchFamily="34" charset="0"/>
               </a:rPr>
-              <a:t>Cerrar Sesión.</a:t>
+              <a:t>Producto.</a:t>
+            </a:r>
+          </a:p>
+          <a:p>
+            <a:pPr marL="571500" lvl="1" indent="-342900">
+              <a:buFont typeface="+mj-lt"/>
+              <a:buAutoNum type="arabicPeriod"/>
+            </a:pPr>
+            <a:r>
+              <a:rPr lang="es-ES" dirty="0">
+                <a:latin typeface="Arial" panose="020B0604020202020204" pitchFamily="34" charset="0"/>
+                <a:cs typeface="Arial" panose="020B0604020202020204" pitchFamily="34" charset="0"/>
+              </a:rPr>
+              <a:t>Promoción </a:t>
+            </a:r>
+          </a:p>
+          <a:p>
+            <a:pPr marL="571500" lvl="1" indent="-342900">
+              <a:buFont typeface="+mj-lt"/>
+              <a:buAutoNum type="arabicPeriod"/>
+            </a:pPr>
+            <a:r>
+              <a:rPr lang="es-ES" dirty="0">
+                <a:latin typeface="Arial" panose="020B0604020202020204" pitchFamily="34" charset="0"/>
+                <a:cs typeface="Arial" panose="020B0604020202020204" pitchFamily="34" charset="0"/>
+              </a:rPr>
+              <a:t>Repartidor </a:t>
+            </a:r>
+          </a:p>
+          <a:p>
+            <a:pPr marL="571500" lvl="1" indent="-342900">
+              <a:buFont typeface="+mj-lt"/>
+              <a:buAutoNum type="arabicPeriod"/>
+            </a:pPr>
+            <a:r>
+              <a:rPr lang="es-ES" dirty="0">
+                <a:latin typeface="Arial" panose="020B0604020202020204" pitchFamily="34" charset="0"/>
+                <a:cs typeface="Arial" panose="020B0604020202020204" pitchFamily="34" charset="0"/>
+              </a:rPr>
+              <a:t>Restaurante</a:t>
+            </a:r>
+          </a:p>
+          <a:p>
+            <a:pPr marL="228600" lvl="1" indent="0">
+              <a:buNone/>
+            </a:pPr>
+            <a:r>
+              <a:rPr lang="es-ES" dirty="0">
+                <a:latin typeface="Arial" panose="020B0604020202020204" pitchFamily="34" charset="0"/>
+                <a:cs typeface="Arial" panose="020B0604020202020204" pitchFamily="34" charset="0"/>
+              </a:rPr>
+              <a:t>Cada clase con sus métodos específicos, atributos necesarios.</a:t>
             </a:r>
           </a:p>
           <a:p>
@@ -9504,104 +9493,12 @@
               <a:cs typeface="Arial" panose="020B0604020202020204" pitchFamily="34" charset="0"/>
             </a:endParaRPr>
           </a:p>
-          <a:p>
-            <a:pPr marL="228600" lvl="1" indent="0">
-              <a:buNone/>
-            </a:pPr>
-            <a:r>
-              <a:rPr lang="es-ES" dirty="0">
-                <a:latin typeface="Arial" panose="020B0604020202020204" pitchFamily="34" charset="0"/>
-                <a:cs typeface="Arial" panose="020B0604020202020204" pitchFamily="34" charset="0"/>
-              </a:rPr>
-              <a:t>También se podrá realizar un contacto con el restaurante, elegir método de pago y dependiendo del presupuesto se le hará un descuento al cliente.</a:t>
-            </a:r>
-          </a:p>
-          <a:p>
-            <a:pPr marL="228600" lvl="1" indent="0">
-              <a:buNone/>
-            </a:pPr>
-            <a:endParaRPr lang="es-ES" dirty="0">
-              <a:latin typeface="Arial" panose="020B0604020202020204" pitchFamily="34" charset="0"/>
-              <a:cs typeface="Arial" panose="020B0604020202020204" pitchFamily="34" charset="0"/>
-            </a:endParaRPr>
-          </a:p>
         </p:txBody>
       </p:sp>
-      <p:pic>
-        <p:nvPicPr>
-          <p:cNvPr id="4" name="Gráfico 3" descr="Hamburguesa con bebida contorno">
-            <a:extLst>
-              <a:ext uri="{FF2B5EF4-FFF2-40B4-BE49-F238E27FC236}">
-                <a16:creationId xmlns:a16="http://schemas.microsoft.com/office/drawing/2014/main" id="{1D1E964F-F739-4D87-BC8F-52718489063C}"/>
-              </a:ext>
-            </a:extLst>
-          </p:cNvPr>
-          <p:cNvPicPr>
-            <a:picLocks noChangeAspect="1"/>
-          </p:cNvPicPr>
-          <p:nvPr/>
-        </p:nvPicPr>
-        <p:blipFill>
-          <a:blip r:embed="rId3">
-            <a:extLst>
-              <a:ext uri="{96DAC541-7B7A-43D3-8B79-37D633B846F1}">
-                <asvg:svgBlip xmlns:asvg="http://schemas.microsoft.com/office/drawing/2016/SVG/main" r:embed="rId4"/>
-              </a:ext>
-            </a:extLst>
-          </a:blip>
-          <a:stretch>
-            <a:fillRect/>
-          </a:stretch>
-        </p:blipFill>
-        <p:spPr>
-          <a:xfrm>
-            <a:off x="4606565" y="5442856"/>
-            <a:ext cx="1415144" cy="1415144"/>
-          </a:xfrm>
-          <a:prstGeom prst="rect">
-            <a:avLst/>
-          </a:prstGeom>
-        </p:spPr>
-      </p:pic>
-      <p:pic>
-        <p:nvPicPr>
-          <p:cNvPr id="6" name="Gráfico 5" descr="Tienda contorno">
-            <a:extLst>
-              <a:ext uri="{FF2B5EF4-FFF2-40B4-BE49-F238E27FC236}">
-                <a16:creationId xmlns:a16="http://schemas.microsoft.com/office/drawing/2014/main" id="{9DDEB63A-DEAF-4483-B403-7FC897F95899}"/>
-              </a:ext>
-            </a:extLst>
-          </p:cNvPr>
-          <p:cNvPicPr>
-            <a:picLocks noChangeAspect="1"/>
-          </p:cNvPicPr>
-          <p:nvPr/>
-        </p:nvPicPr>
-        <p:blipFill>
-          <a:blip r:embed="rId5">
-            <a:extLst>
-              <a:ext uri="{96DAC541-7B7A-43D3-8B79-37D633B846F1}">
-                <asvg:svgBlip xmlns:asvg="http://schemas.microsoft.com/office/drawing/2016/SVG/main" r:embed="rId6"/>
-              </a:ext>
-            </a:extLst>
-          </a:blip>
-          <a:srcRect/>
-          <a:stretch/>
-        </p:blipFill>
-        <p:spPr>
-          <a:xfrm>
-            <a:off x="10982846" y="5648847"/>
-            <a:ext cx="1209153" cy="1209153"/>
-          </a:xfrm>
-          <a:prstGeom prst="rect">
-            <a:avLst/>
-          </a:prstGeom>
-        </p:spPr>
-      </p:pic>
     </p:spTree>
     <p:extLst>
       <p:ext uri="{BB962C8B-B14F-4D97-AF65-F5344CB8AC3E}">
-        <p14:creationId xmlns:p14="http://schemas.microsoft.com/office/powerpoint/2010/main" val="1440901283"/>
+        <p14:creationId xmlns:p14="http://schemas.microsoft.com/office/powerpoint/2010/main" val="3312710902"/>
       </p:ext>
     </p:extLst>
   </p:cSld>
@@ -9780,8 +9677,8 @@
         </p:nvSpPr>
         <p:spPr>
           <a:xfrm>
-            <a:off x="8181171" y="2681103"/>
-            <a:ext cx="3363974" cy="1495794"/>
+            <a:off x="7931526" y="2681103"/>
+            <a:ext cx="3613619" cy="1495794"/>
           </a:xfrm>
           <a:noFill/>
           <a:ln>
@@ -9799,7 +9696,7 @@
         </p:spPr>
         <p:txBody>
           <a:bodyPr wrap="square" rtlCol="0">
-            <a:normAutofit fontScale="90000"/>
+            <a:normAutofit/>
           </a:bodyPr>
           <a:lstStyle/>
           <a:p>
@@ -9810,17 +9707,17 @@
                   <a:srgbClr val="FFFFFF"/>
                 </a:solidFill>
               </a:rPr>
-              <a:t>Bases Técnicas del APP</a:t>
+              <a:t>Funcionalidad</a:t>
             </a:r>
           </a:p>
         </p:txBody>
       </p:sp>
       <p:sp>
         <p:nvSpPr>
-          <p:cNvPr id="10" name="Marcador de contenido 3">
+          <p:cNvPr id="11" name="Marcador de contenido 3">
             <a:extLst>
               <a:ext uri="{FF2B5EF4-FFF2-40B4-BE49-F238E27FC236}">
-                <a16:creationId xmlns:a16="http://schemas.microsoft.com/office/drawing/2014/main" id="{9809C869-2F2A-4EFB-A0A2-14A3DC2B2EE0}"/>
+                <a16:creationId xmlns:a16="http://schemas.microsoft.com/office/drawing/2014/main" id="{114F001B-A5B7-47E2-B5A3-BD2C5BC18388}"/>
               </a:ext>
             </a:extLst>
           </p:cNvPr>
@@ -9833,8 +9730,8 @@
         </p:nvSpPr>
         <p:spPr>
           <a:xfrm>
-            <a:off x="1145869" y="1439026"/>
-            <a:ext cx="5245967" cy="4314119"/>
+            <a:off x="55576" y="497215"/>
+            <a:ext cx="4948933" cy="3891905"/>
           </a:xfrm>
         </p:spPr>
         <p:txBody>
@@ -9851,7 +9748,7 @@
                 <a:latin typeface="Arial" panose="020B0604020202020204" pitchFamily="34" charset="0"/>
                 <a:cs typeface="Arial" panose="020B0604020202020204" pitchFamily="34" charset="0"/>
               </a:rPr>
-              <a:t>Características:</a:t>
+              <a:t>Funciones básicas:</a:t>
             </a:r>
             <a:endParaRPr lang="es-ES" sz="1600" b="1" dirty="0">
               <a:latin typeface="Arial" panose="020B0604020202020204" pitchFamily="34" charset="0"/>
@@ -9859,53 +9756,19 @@
             </a:endParaRPr>
           </a:p>
           <a:p>
-            <a:r>
-              <a:rPr lang="es-ES" sz="1600" dirty="0">
-                <a:latin typeface="Arial" panose="020B0604020202020204" pitchFamily="34" charset="0"/>
-                <a:cs typeface="Arial" panose="020B0604020202020204" pitchFamily="34" charset="0"/>
-              </a:rPr>
-              <a:t>En el desarrollo se considero tener 6 clases para que junto con el </a:t>
-            </a:r>
-            <a:r>
-              <a:rPr lang="en-US" sz="1600" dirty="0">
-                <a:latin typeface="Arial" panose="020B0604020202020204" pitchFamily="34" charset="0"/>
-                <a:cs typeface="Arial" panose="020B0604020202020204" pitchFamily="34" charset="0"/>
-              </a:rPr>
-              <a:t>main</a:t>
-            </a:r>
-            <a:r>
-              <a:rPr lang="es-ES" sz="1600" dirty="0">
-                <a:latin typeface="Arial" panose="020B0604020202020204" pitchFamily="34" charset="0"/>
-                <a:cs typeface="Arial" panose="020B0604020202020204" pitchFamily="34" charset="0"/>
-              </a:rPr>
-              <a:t> formaran la App completa </a:t>
-            </a:r>
-          </a:p>
-          <a:p>
-            <a:r>
-              <a:rPr lang="es-ES" sz="1600" dirty="0">
-                <a:latin typeface="Arial" panose="020B0604020202020204" pitchFamily="34" charset="0"/>
-                <a:cs typeface="Arial" panose="020B0604020202020204" pitchFamily="34" charset="0"/>
-              </a:rPr>
-              <a:t>Clases:</a:t>
-            </a:r>
-          </a:p>
-          <a:p>
-            <a:pPr marL="571500" lvl="1" indent="-342900">
-              <a:buFont typeface="+mj-lt"/>
-              <a:buAutoNum type="arabicPeriod"/>
+            <a:pPr marL="228600" lvl="1" indent="0">
+              <a:buNone/>
             </a:pPr>
             <a:r>
               <a:rPr lang="es-ES" dirty="0">
                 <a:latin typeface="Arial" panose="020B0604020202020204" pitchFamily="34" charset="0"/>
                 <a:cs typeface="Arial" panose="020B0604020202020204" pitchFamily="34" charset="0"/>
               </a:rPr>
-              <a:t>Cliente.</a:t>
+              <a:t>Interfaz de usuario sencilla.</a:t>
             </a:r>
           </a:p>
           <a:p>
             <a:pPr marL="571500" lvl="1" indent="-342900">
-              <a:buFont typeface="+mj-lt"/>
               <a:buAutoNum type="arabicPeriod"/>
             </a:pPr>
             <a:r>
@@ -9913,12 +9776,11 @@
                 <a:latin typeface="Arial" panose="020B0604020202020204" pitchFamily="34" charset="0"/>
                 <a:cs typeface="Arial" panose="020B0604020202020204" pitchFamily="34" charset="0"/>
               </a:rPr>
-              <a:t>Factura.</a:t>
+              <a:t>Inicio sesión o Registro.</a:t>
             </a:r>
           </a:p>
           <a:p>
             <a:pPr marL="571500" lvl="1" indent="-342900">
-              <a:buFont typeface="+mj-lt"/>
               <a:buAutoNum type="arabicPeriod"/>
             </a:pPr>
             <a:r>
@@ -9926,12 +9788,11 @@
                 <a:latin typeface="Arial" panose="020B0604020202020204" pitchFamily="34" charset="0"/>
                 <a:cs typeface="Arial" panose="020B0604020202020204" pitchFamily="34" charset="0"/>
               </a:rPr>
-              <a:t>Producto.</a:t>
+              <a:t>Realizar acciones: Pedido/Sugerencias/Reclamos.</a:t>
             </a:r>
           </a:p>
           <a:p>
             <a:pPr marL="571500" lvl="1" indent="-342900">
-              <a:buFont typeface="+mj-lt"/>
               <a:buAutoNum type="arabicPeriod"/>
             </a:pPr>
             <a:r>
@@ -9939,12 +9800,11 @@
                 <a:latin typeface="Arial" panose="020B0604020202020204" pitchFamily="34" charset="0"/>
                 <a:cs typeface="Arial" panose="020B0604020202020204" pitchFamily="34" charset="0"/>
               </a:rPr>
-              <a:t>Promoción </a:t>
+              <a:t>Opciones de restaurante / Opciones del pedido / Información de contacto de los Restaurantes.</a:t>
             </a:r>
           </a:p>
           <a:p>
             <a:pPr marL="571500" lvl="1" indent="-342900">
-              <a:buFont typeface="+mj-lt"/>
               <a:buAutoNum type="arabicPeriod"/>
             </a:pPr>
             <a:r>
@@ -9952,33 +9812,47 @@
                 <a:latin typeface="Arial" panose="020B0604020202020204" pitchFamily="34" charset="0"/>
                 <a:cs typeface="Arial" panose="020B0604020202020204" pitchFamily="34" charset="0"/>
               </a:rPr>
-              <a:t>Repartidor </a:t>
-            </a:r>
-          </a:p>
-          <a:p>
-            <a:pPr marL="571500" lvl="1" indent="-342900">
-              <a:buFont typeface="+mj-lt"/>
-              <a:buAutoNum type="arabicPeriod"/>
+              <a:t> Menús de los afiliados. </a:t>
+            </a:r>
+          </a:p>
+          <a:p>
+            <a:pPr marL="228600" lvl="1" indent="0">
+              <a:buNone/>
             </a:pPr>
             <a:r>
               <a:rPr lang="es-ES" dirty="0">
                 <a:latin typeface="Arial" panose="020B0604020202020204" pitchFamily="34" charset="0"/>
                 <a:cs typeface="Arial" panose="020B0604020202020204" pitchFamily="34" charset="0"/>
               </a:rPr>
-              <a:t>Restaurante</a:t>
-            </a:r>
-          </a:p>
-          <a:p>
-            <a:pPr marL="228600" lvl="1" indent="0">
-              <a:buNone/>
+              <a:t>También se podrá realizar un contacto con el restaurante, elegir método de pago y dependiendo del presupuesto se le hará un descuento al cliente.</a:t>
+            </a:r>
+          </a:p>
+          <a:p>
+            <a:pPr marL="571500" lvl="1" indent="-342900">
+              <a:buAutoNum type="arabicPeriod"/>
             </a:pPr>
-            <a:r>
-              <a:rPr lang="es-ES" dirty="0">
-                <a:latin typeface="Arial" panose="020B0604020202020204" pitchFamily="34" charset="0"/>
-                <a:cs typeface="Arial" panose="020B0604020202020204" pitchFamily="34" charset="0"/>
-              </a:rPr>
-              <a:t>Cada clase con sus métodos específicos, atributos necesarios.</a:t>
-            </a:r>
+            <a:endParaRPr lang="es-ES" dirty="0">
+              <a:latin typeface="Arial" panose="020B0604020202020204" pitchFamily="34" charset="0"/>
+              <a:cs typeface="Arial" panose="020B0604020202020204" pitchFamily="34" charset="0"/>
+            </a:endParaRPr>
+          </a:p>
+          <a:p>
+            <a:pPr marL="571500" lvl="1" indent="-342900">
+              <a:buAutoNum type="arabicPeriod"/>
+            </a:pPr>
+            <a:endParaRPr lang="es-ES" dirty="0">
+              <a:latin typeface="Arial" panose="020B0604020202020204" pitchFamily="34" charset="0"/>
+              <a:cs typeface="Arial" panose="020B0604020202020204" pitchFamily="34" charset="0"/>
+            </a:endParaRPr>
+          </a:p>
+          <a:p>
+            <a:pPr marL="571500" lvl="1" indent="-342900">
+              <a:buAutoNum type="arabicPeriod"/>
+            </a:pPr>
+            <a:endParaRPr lang="es-ES" dirty="0">
+              <a:latin typeface="Arial" panose="020B0604020202020204" pitchFamily="34" charset="0"/>
+              <a:cs typeface="Arial" panose="020B0604020202020204" pitchFamily="34" charset="0"/>
+            </a:endParaRPr>
           </a:p>
           <a:p>
             <a:pPr marL="228600" lvl="1" indent="0">
@@ -9989,14 +9863,23 @@
               <a:cs typeface="Arial" panose="020B0604020202020204" pitchFamily="34" charset="0"/>
             </a:endParaRPr>
           </a:p>
+          <a:p>
+            <a:pPr marL="228600" lvl="1" indent="0">
+              <a:buNone/>
+            </a:pPr>
+            <a:endParaRPr lang="es-ES" dirty="0">
+              <a:latin typeface="Arial" panose="020B0604020202020204" pitchFamily="34" charset="0"/>
+              <a:cs typeface="Arial" panose="020B0604020202020204" pitchFamily="34" charset="0"/>
+            </a:endParaRPr>
+          </a:p>
         </p:txBody>
       </p:sp>
       <p:pic>
         <p:nvPicPr>
-          <p:cNvPr id="12" name="Gráfico 11" descr="Comercio electrónico con relleno sólido">
+          <p:cNvPr id="12" name="Imagen 11">
             <a:extLst>
               <a:ext uri="{FF2B5EF4-FFF2-40B4-BE49-F238E27FC236}">
-                <a16:creationId xmlns:a16="http://schemas.microsoft.com/office/drawing/2014/main" id="{74A3B3BE-43B0-4D1D-8C35-1F47A34D5917}"/>
+                <a16:creationId xmlns:a16="http://schemas.microsoft.com/office/drawing/2014/main" id="{9AAA87FA-430B-47EC-B11E-93DC1E32AA60}"/>
               </a:ext>
             </a:extLst>
           </p:cNvPr>
@@ -10006,10 +9889,178 @@
           <p:nvPr/>
         </p:nvPicPr>
         <p:blipFill>
-          <a:blip r:embed="rId3">
+          <a:blip r:embed="rId3"/>
+          <a:stretch>
+            <a:fillRect/>
+          </a:stretch>
+        </p:blipFill>
+        <p:spPr>
+          <a:xfrm>
+            <a:off x="5184856" y="231244"/>
+            <a:ext cx="2139684" cy="1389489"/>
+          </a:xfrm>
+          <a:prstGeom prst="rect">
+            <a:avLst/>
+          </a:prstGeom>
+          <a:ln>
+            <a:solidFill>
+              <a:schemeClr val="bg1"/>
+            </a:solidFill>
+          </a:ln>
+          <a:effectLst>
+            <a:glow rad="101600">
+              <a:srgbClr val="00FFFF">
+                <a:alpha val="60000"/>
+              </a:srgbClr>
+            </a:glow>
+          </a:effectLst>
+        </p:spPr>
+      </p:pic>
+      <p:pic>
+        <p:nvPicPr>
+          <p:cNvPr id="13" name="Imagen 12">
+            <a:extLst>
+              <a:ext uri="{FF2B5EF4-FFF2-40B4-BE49-F238E27FC236}">
+                <a16:creationId xmlns:a16="http://schemas.microsoft.com/office/drawing/2014/main" id="{6763E250-634C-49D3-83B0-AEE565573FC6}"/>
+              </a:ext>
+            </a:extLst>
+          </p:cNvPr>
+          <p:cNvPicPr>
+            <a:picLocks noChangeAspect="1"/>
+          </p:cNvPicPr>
+          <p:nvPr/>
+        </p:nvPicPr>
+        <p:blipFill>
+          <a:blip r:embed="rId4"/>
+          <a:stretch>
+            <a:fillRect/>
+          </a:stretch>
+        </p:blipFill>
+        <p:spPr>
+          <a:xfrm>
+            <a:off x="5184856" y="1961705"/>
+            <a:ext cx="2139684" cy="1606112"/>
+          </a:xfrm>
+          <a:prstGeom prst="rect">
+            <a:avLst/>
+          </a:prstGeom>
+          <a:ln>
+            <a:solidFill>
+              <a:schemeClr val="bg1"/>
+            </a:solidFill>
+          </a:ln>
+          <a:effectLst>
+            <a:glow rad="101600">
+              <a:srgbClr val="00FFFF">
+                <a:alpha val="60000"/>
+              </a:srgbClr>
+            </a:glow>
+          </a:effectLst>
+        </p:spPr>
+      </p:pic>
+      <p:pic>
+        <p:nvPicPr>
+          <p:cNvPr id="14" name="Imagen 13">
+            <a:extLst>
+              <a:ext uri="{FF2B5EF4-FFF2-40B4-BE49-F238E27FC236}">
+                <a16:creationId xmlns:a16="http://schemas.microsoft.com/office/drawing/2014/main" id="{F35A2D45-F46C-4C0B-B0C7-6136D9FD90E8}"/>
+              </a:ext>
+            </a:extLst>
+          </p:cNvPr>
+          <p:cNvPicPr>
+            <a:picLocks noChangeAspect="1"/>
+          </p:cNvPicPr>
+          <p:nvPr/>
+        </p:nvPicPr>
+        <p:blipFill>
+          <a:blip r:embed="rId5"/>
+          <a:stretch>
+            <a:fillRect/>
+          </a:stretch>
+        </p:blipFill>
+        <p:spPr>
+          <a:xfrm>
+            <a:off x="5184856" y="4067169"/>
+            <a:ext cx="2139685" cy="2299841"/>
+          </a:xfrm>
+          <a:prstGeom prst="rect">
+            <a:avLst/>
+          </a:prstGeom>
+          <a:ln>
+            <a:solidFill>
+              <a:schemeClr val="bg1"/>
+            </a:solidFill>
+          </a:ln>
+          <a:effectLst>
+            <a:glow rad="101600">
+              <a:srgbClr val="00FFFF">
+                <a:alpha val="60000"/>
+              </a:srgbClr>
+            </a:glow>
+          </a:effectLst>
+        </p:spPr>
+      </p:pic>
+      <p:pic>
+        <p:nvPicPr>
+          <p:cNvPr id="15" name="Imagen 14">
+            <a:extLst>
+              <a:ext uri="{FF2B5EF4-FFF2-40B4-BE49-F238E27FC236}">
+                <a16:creationId xmlns:a16="http://schemas.microsoft.com/office/drawing/2014/main" id="{207CE88A-6DE6-4F1A-B8AD-08BCE4C9C2D0}"/>
+              </a:ext>
+            </a:extLst>
+          </p:cNvPr>
+          <p:cNvPicPr>
+            <a:picLocks noChangeAspect="1"/>
+          </p:cNvPicPr>
+          <p:nvPr/>
+        </p:nvPicPr>
+        <p:blipFill>
+          <a:blip r:embed="rId6"/>
+          <a:stretch>
+            <a:fillRect/>
+          </a:stretch>
+        </p:blipFill>
+        <p:spPr>
+          <a:xfrm>
+            <a:off x="1861616" y="4787578"/>
+            <a:ext cx="3186526" cy="1606112"/>
+          </a:xfrm>
+          <a:prstGeom prst="rect">
+            <a:avLst/>
+          </a:prstGeom>
+          <a:ln>
+            <a:solidFill>
+              <a:schemeClr val="bg1"/>
+            </a:solidFill>
+          </a:ln>
+          <a:effectLst>
+            <a:glow rad="101600">
+              <a:srgbClr val="00FFFF">
+                <a:alpha val="60000"/>
+              </a:srgbClr>
+            </a:glow>
+          </a:effectLst>
+        </p:spPr>
+      </p:pic>
+      <p:pic>
+        <p:nvPicPr>
+          <p:cNvPr id="16" name="Gráfico 15" descr="Menú con relleno sólido">
+            <a:extLst>
+              <a:ext uri="{FF2B5EF4-FFF2-40B4-BE49-F238E27FC236}">
+                <a16:creationId xmlns:a16="http://schemas.microsoft.com/office/drawing/2014/main" id="{5D855BB0-6401-4274-B8CC-244D10ECF201}"/>
+              </a:ext>
+            </a:extLst>
+          </p:cNvPr>
+          <p:cNvPicPr>
+            <a:picLocks noChangeAspect="1"/>
+          </p:cNvPicPr>
+          <p:nvPr/>
+        </p:nvPicPr>
+        <p:blipFill>
+          <a:blip r:embed="rId7">
             <a:extLst>
               <a:ext uri="{96DAC541-7B7A-43D3-8B79-37D633B846F1}">
-                <asvg:svgBlip xmlns:asvg="http://schemas.microsoft.com/office/drawing/2016/SVG/main" r:embed="rId4"/>
+                <asvg:svgBlip xmlns:asvg="http://schemas.microsoft.com/office/drawing/2016/SVG/main" r:embed="rId8"/>
               </a:ext>
             </a:extLst>
           </a:blip>
@@ -10019,26 +10070,18 @@
         </p:blipFill>
         <p:spPr>
           <a:xfrm>
-            <a:off x="7551418" y="5753145"/>
+            <a:off x="0" y="5641977"/>
             <a:ext cx="914400" cy="914400"/>
           </a:xfrm>
           <a:prstGeom prst="rect">
             <a:avLst/>
           </a:prstGeom>
-          <a:effectLst>
-            <a:glow rad="63500">
-              <a:schemeClr val="accent2">
-                <a:satMod val="175000"/>
-                <a:alpha val="40000"/>
-              </a:schemeClr>
-            </a:glow>
-          </a:effectLst>
         </p:spPr>
       </p:pic>
     </p:spTree>
     <p:extLst>
       <p:ext uri="{BB962C8B-B14F-4D97-AF65-F5344CB8AC3E}">
-        <p14:creationId xmlns:p14="http://schemas.microsoft.com/office/powerpoint/2010/main" val="3796707151"/>
+        <p14:creationId xmlns:p14="http://schemas.microsoft.com/office/powerpoint/2010/main" val="1991018827"/>
       </p:ext>
     </p:extLst>
   </p:cSld>
@@ -10246,17 +10289,33 @@
                   <a:srgbClr val="FFFFFF"/>
                 </a:solidFill>
               </a:rPr>
-              <a:t>Funcionalidad</a:t>
+              <a:t>Just </a:t>
+            </a:r>
+            <a:r>
+              <a:rPr lang="es-ES" dirty="0" err="1">
+                <a:solidFill>
+                  <a:srgbClr val="FFFFFF"/>
+                </a:solidFill>
+              </a:rPr>
+              <a:t>Eats</a:t>
+            </a:r>
+            <a:r>
+              <a:rPr lang="es-ES" dirty="0">
+                <a:solidFill>
+                  <a:srgbClr val="FFFFFF"/>
+                </a:solidFill>
+              </a:rPr>
+              <a:t> CR</a:t>
             </a:r>
           </a:p>
         </p:txBody>
       </p:sp>
       <p:sp>
         <p:nvSpPr>
-          <p:cNvPr id="14" name="Marcador de contenido 3">
+          <p:cNvPr id="16" name="Marcador de contenido 3">
             <a:extLst>
               <a:ext uri="{FF2B5EF4-FFF2-40B4-BE49-F238E27FC236}">
-                <a16:creationId xmlns:a16="http://schemas.microsoft.com/office/drawing/2014/main" id="{5B921374-FE51-4D62-8021-5CDCBA04584C}"/>
+                <a16:creationId xmlns:a16="http://schemas.microsoft.com/office/drawing/2014/main" id="{38CB7251-1BB8-4FD1-913B-CE4B28C9AD6F}"/>
               </a:ext>
             </a:extLst>
           </p:cNvPr>
@@ -10269,8 +10328,8 @@
         </p:nvSpPr>
         <p:spPr>
           <a:xfrm>
-            <a:off x="4641417" y="1603385"/>
-            <a:ext cx="5093837" cy="4148320"/>
+            <a:off x="5882739" y="714341"/>
+            <a:ext cx="5355139" cy="1129317"/>
           </a:xfrm>
         </p:spPr>
         <p:txBody>
@@ -10283,13 +10342,18 @@
               <a:buNone/>
             </a:pPr>
             <a:r>
-              <a:rPr lang="es-ES" b="1" dirty="0">
+              <a:rPr lang="es-ES" sz="1600" b="1" dirty="0">
                 <a:latin typeface="Arial" panose="020B0604020202020204" pitchFamily="34" charset="0"/>
                 <a:cs typeface="Arial" panose="020B0604020202020204" pitchFamily="34" charset="0"/>
               </a:rPr>
-              <a:t>Funciones básicas:</a:t>
-            </a:r>
-            <a:endParaRPr lang="es-ES" sz="1600" b="1" dirty="0">
+              <a:t>¿Cómo está conformado el app?</a:t>
+            </a:r>
+          </a:p>
+          <a:p>
+            <a:pPr marL="0" indent="0" algn="ctr" rtl="0">
+              <a:buNone/>
+            </a:pPr>
+            <a:endParaRPr lang="es-ES" sz="1400" b="1" dirty="0">
               <a:latin typeface="Arial" panose="020B0604020202020204" pitchFamily="34" charset="0"/>
               <a:cs typeface="Arial" panose="020B0604020202020204" pitchFamily="34" charset="0"/>
             </a:endParaRPr>
@@ -10299,105 +10363,44 @@
               <a:buNone/>
             </a:pPr>
             <a:r>
-              <a:rPr lang="es-ES" dirty="0">
+              <a:rPr lang="es-ES" sz="1400" dirty="0">
                 <a:latin typeface="Arial" panose="020B0604020202020204" pitchFamily="34" charset="0"/>
                 <a:cs typeface="Arial" panose="020B0604020202020204" pitchFamily="34" charset="0"/>
               </a:rPr>
-              <a:t>Interfaz de usuario sencilla.</a:t>
-            </a:r>
-          </a:p>
-          <a:p>
-            <a:pPr marL="571500" lvl="1" indent="-342900">
-              <a:buAutoNum type="arabicPeriod"/>
-            </a:pPr>
-            <a:r>
-              <a:rPr lang="es-ES" dirty="0">
+              <a:t>En la parte técnica está conformado por 6 clases y el </a:t>
+            </a:r>
+            <a:r>
+              <a:rPr lang="es-ES" sz="1400" dirty="0" err="1">
                 <a:latin typeface="Arial" panose="020B0604020202020204" pitchFamily="34" charset="0"/>
                 <a:cs typeface="Arial" panose="020B0604020202020204" pitchFamily="34" charset="0"/>
               </a:rPr>
-              <a:t>Inicio sesión o Registro.</a:t>
-            </a:r>
-          </a:p>
-          <a:p>
-            <a:pPr marL="571500" lvl="1" indent="-342900">
-              <a:buAutoNum type="arabicPeriod"/>
-            </a:pPr>
-            <a:r>
-              <a:rPr lang="es-ES" dirty="0">
+              <a:t>Main</a:t>
+            </a:r>
+            <a:r>
+              <a:rPr lang="es-ES" sz="1400" dirty="0">
                 <a:latin typeface="Arial" panose="020B0604020202020204" pitchFamily="34" charset="0"/>
                 <a:cs typeface="Arial" panose="020B0604020202020204" pitchFamily="34" charset="0"/>
               </a:rPr>
-              <a:t>Realizar acciones: Pedido/Sugerencias/Reclamos.</a:t>
-            </a:r>
-          </a:p>
-          <a:p>
-            <a:pPr marL="571500" lvl="1" indent="-342900">
-              <a:buAutoNum type="arabicPeriod"/>
+              <a:t>:</a:t>
+            </a:r>
+          </a:p>
+          <a:p>
+            <a:pPr marL="228600" lvl="1" indent="0">
+              <a:buNone/>
             </a:pPr>
-            <a:r>
-              <a:rPr lang="es-ES" dirty="0">
-                <a:latin typeface="Arial" panose="020B0604020202020204" pitchFamily="34" charset="0"/>
-                <a:cs typeface="Arial" panose="020B0604020202020204" pitchFamily="34" charset="0"/>
-              </a:rPr>
-              <a:t>Opciones de restaurante / Opciones del pedido / Información de contacto de los Restaurantes.</a:t>
-            </a:r>
-          </a:p>
-          <a:p>
-            <a:pPr marL="571500" lvl="1" indent="-342900">
-              <a:buAutoNum type="arabicPeriod"/>
-            </a:pPr>
-            <a:r>
-              <a:rPr lang="es-ES" dirty="0">
-                <a:latin typeface="Arial" panose="020B0604020202020204" pitchFamily="34" charset="0"/>
-                <a:cs typeface="Arial" panose="020B0604020202020204" pitchFamily="34" charset="0"/>
-              </a:rPr>
-              <a:t> Menús de los afiliados. </a:t>
-            </a:r>
-          </a:p>
-          <a:p>
-            <a:pPr marL="571500" lvl="1" indent="-342900">
-              <a:buAutoNum type="arabicPeriod"/>
-            </a:pPr>
-            <a:endParaRPr lang="es-ES" dirty="0">
+            <a:endParaRPr lang="es-ES" sz="1400" dirty="0">
               <a:latin typeface="Arial" panose="020B0604020202020204" pitchFamily="34" charset="0"/>
               <a:cs typeface="Arial" panose="020B0604020202020204" pitchFamily="34" charset="0"/>
             </a:endParaRPr>
           </a:p>
-          <a:p>
-            <a:pPr marL="571500" lvl="1" indent="-342900">
-              <a:buAutoNum type="arabicPeriod"/>
-            </a:pPr>
-            <a:endParaRPr lang="es-ES" dirty="0">
-              <a:latin typeface="Arial" panose="020B0604020202020204" pitchFamily="34" charset="0"/>
-              <a:cs typeface="Arial" panose="020B0604020202020204" pitchFamily="34" charset="0"/>
-            </a:endParaRPr>
-          </a:p>
-          <a:p>
-            <a:pPr marL="228600" lvl="1" indent="0">
-              <a:buNone/>
-            </a:pPr>
-            <a:endParaRPr lang="es-ES" dirty="0">
-              <a:latin typeface="Arial" panose="020B0604020202020204" pitchFamily="34" charset="0"/>
-              <a:cs typeface="Arial" panose="020B0604020202020204" pitchFamily="34" charset="0"/>
-            </a:endParaRPr>
-          </a:p>
-          <a:p>
-            <a:pPr marL="228600" lvl="1" indent="0">
-              <a:buNone/>
-            </a:pPr>
-            <a:endParaRPr lang="es-ES" dirty="0">
-              <a:latin typeface="Arial" panose="020B0604020202020204" pitchFamily="34" charset="0"/>
-              <a:cs typeface="Arial" panose="020B0604020202020204" pitchFamily="34" charset="0"/>
-            </a:endParaRPr>
-          </a:p>
         </p:txBody>
       </p:sp>
       <p:pic>
         <p:nvPicPr>
-          <p:cNvPr id="5" name="Imagen 4">
+          <p:cNvPr id="17" name="Imagen 16">
             <a:extLst>
               <a:ext uri="{FF2B5EF4-FFF2-40B4-BE49-F238E27FC236}">
-                <a16:creationId xmlns:a16="http://schemas.microsoft.com/office/drawing/2014/main" id="{625C5487-9E2A-457D-B749-8E82F3A88DD3}"/>
+                <a16:creationId xmlns:a16="http://schemas.microsoft.com/office/drawing/2014/main" id="{83FB6FAE-CEB2-4B8A-A0D6-B91D28339A70}"/>
               </a:ext>
             </a:extLst>
           </p:cNvPr>
@@ -10414,32 +10417,20 @@
         </p:blipFill>
         <p:spPr>
           <a:xfrm>
-            <a:off x="9871968" y="340972"/>
-            <a:ext cx="2139684" cy="1389489"/>
+            <a:off x="5828421" y="1843658"/>
+            <a:ext cx="5725377" cy="4190616"/>
           </a:xfrm>
           <a:prstGeom prst="rect">
             <a:avLst/>
           </a:prstGeom>
-          <a:ln>
-            <a:solidFill>
-              <a:schemeClr val="bg1"/>
-            </a:solidFill>
-          </a:ln>
-          <a:effectLst>
-            <a:glow rad="101600">
-              <a:srgbClr val="00FFFF">
-                <a:alpha val="60000"/>
-              </a:srgbClr>
-            </a:glow>
-          </a:effectLst>
         </p:spPr>
       </p:pic>
       <p:pic>
         <p:nvPicPr>
-          <p:cNvPr id="8" name="Imagen 7">
+          <p:cNvPr id="19" name="Gráfico 18" descr="Hamburguesa con bebida contorno">
             <a:extLst>
               <a:ext uri="{FF2B5EF4-FFF2-40B4-BE49-F238E27FC236}">
-                <a16:creationId xmlns:a16="http://schemas.microsoft.com/office/drawing/2014/main" id="{D3BA5C4F-A499-4AA8-9672-5A440114D394}"/>
+                <a16:creationId xmlns:a16="http://schemas.microsoft.com/office/drawing/2014/main" id="{FBA6E1D3-CA19-42D4-8EEE-516748017C68}"/>
               </a:ext>
             </a:extLst>
           </p:cNvPr>
@@ -10449,39 +10440,33 @@
           <p:nvPr/>
         </p:nvPicPr>
         <p:blipFill>
-          <a:blip r:embed="rId4"/>
+          <a:blip r:embed="rId4">
+            <a:extLst>
+              <a:ext uri="{96DAC541-7B7A-43D3-8B79-37D633B846F1}">
+                <asvg:svgBlip xmlns:asvg="http://schemas.microsoft.com/office/drawing/2016/SVG/main" r:embed="rId5"/>
+              </a:ext>
+            </a:extLst>
+          </a:blip>
           <a:stretch>
             <a:fillRect/>
           </a:stretch>
         </p:blipFill>
         <p:spPr>
           <a:xfrm>
-            <a:off x="9871968" y="2071433"/>
-            <a:ext cx="2139684" cy="1606112"/>
+            <a:off x="4791456" y="5381896"/>
+            <a:ext cx="1415144" cy="1415144"/>
           </a:xfrm>
           <a:prstGeom prst="rect">
             <a:avLst/>
           </a:prstGeom>
-          <a:ln>
-            <a:solidFill>
-              <a:schemeClr val="bg1"/>
-            </a:solidFill>
-          </a:ln>
-          <a:effectLst>
-            <a:glow rad="101600">
-              <a:srgbClr val="00FFFF">
-                <a:alpha val="60000"/>
-              </a:srgbClr>
-            </a:glow>
-          </a:effectLst>
         </p:spPr>
       </p:pic>
       <p:pic>
         <p:nvPicPr>
-          <p:cNvPr id="10" name="Imagen 9">
+          <p:cNvPr id="21" name="Gráfico 20" descr="Tienda contorno">
             <a:extLst>
               <a:ext uri="{FF2B5EF4-FFF2-40B4-BE49-F238E27FC236}">
-                <a16:creationId xmlns:a16="http://schemas.microsoft.com/office/drawing/2014/main" id="{C6B0C0BA-990B-4A60-92A8-D95EFB682C33}"/>
+                <a16:creationId xmlns:a16="http://schemas.microsoft.com/office/drawing/2014/main" id="{EE2B6D1A-4384-4C19-AAB2-7F4EC64CDF9E}"/>
               </a:ext>
             </a:extLst>
           </p:cNvPr>
@@ -10491,105 +10476,20 @@
           <p:nvPr/>
         </p:nvPicPr>
         <p:blipFill>
-          <a:blip r:embed="rId5"/>
-          <a:stretch>
-            <a:fillRect/>
-          </a:stretch>
+          <a:blip r:embed="rId6">
+            <a:extLst>
+              <a:ext uri="{96DAC541-7B7A-43D3-8B79-37D633B846F1}">
+                <asvg:svgBlip xmlns:asvg="http://schemas.microsoft.com/office/drawing/2016/SVG/main" r:embed="rId7"/>
+              </a:ext>
+            </a:extLst>
+          </a:blip>
+          <a:srcRect/>
+          <a:stretch/>
         </p:blipFill>
         <p:spPr>
           <a:xfrm>
-            <a:off x="9871968" y="4176897"/>
-            <a:ext cx="2139685" cy="2299841"/>
-          </a:xfrm>
-          <a:prstGeom prst="rect">
-            <a:avLst/>
-          </a:prstGeom>
-          <a:ln>
-            <a:solidFill>
-              <a:schemeClr val="bg1"/>
-            </a:solidFill>
-          </a:ln>
-          <a:effectLst>
-            <a:glow rad="101600">
-              <a:srgbClr val="00FFFF">
-                <a:alpha val="60000"/>
-              </a:srgbClr>
-            </a:glow>
-          </a:effectLst>
-        </p:spPr>
-      </p:pic>
-      <p:pic>
-        <p:nvPicPr>
-          <p:cNvPr id="12" name="Imagen 11">
-            <a:extLst>
-              <a:ext uri="{FF2B5EF4-FFF2-40B4-BE49-F238E27FC236}">
-                <a16:creationId xmlns:a16="http://schemas.microsoft.com/office/drawing/2014/main" id="{6990F7DD-53B6-4A87-937E-73089BF7BB9F}"/>
-              </a:ext>
-            </a:extLst>
-          </p:cNvPr>
-          <p:cNvPicPr>
-            <a:picLocks noChangeAspect="1"/>
-          </p:cNvPicPr>
-          <p:nvPr/>
-        </p:nvPicPr>
-        <p:blipFill>
-          <a:blip r:embed="rId6"/>
-          <a:stretch>
-            <a:fillRect/>
-          </a:stretch>
-        </p:blipFill>
-        <p:spPr>
-          <a:xfrm>
-            <a:off x="6548728" y="4897306"/>
-            <a:ext cx="3186526" cy="1606112"/>
-          </a:xfrm>
-          <a:prstGeom prst="rect">
-            <a:avLst/>
-          </a:prstGeom>
-          <a:ln>
-            <a:solidFill>
-              <a:schemeClr val="bg1"/>
-            </a:solidFill>
-          </a:ln>
-          <a:effectLst>
-            <a:glow rad="101600">
-              <a:srgbClr val="00FFFF">
-                <a:alpha val="60000"/>
-              </a:srgbClr>
-            </a:glow>
-          </a:effectLst>
-        </p:spPr>
-      </p:pic>
-      <p:pic>
-        <p:nvPicPr>
-          <p:cNvPr id="15" name="Gráfico 14" descr="Menú con relleno sólido">
-            <a:extLst>
-              <a:ext uri="{FF2B5EF4-FFF2-40B4-BE49-F238E27FC236}">
-                <a16:creationId xmlns:a16="http://schemas.microsoft.com/office/drawing/2014/main" id="{CD8BDAEF-E9CA-4289-883C-4A4D856BB5D4}"/>
-              </a:ext>
-            </a:extLst>
-          </p:cNvPr>
-          <p:cNvPicPr>
-            <a:picLocks noChangeAspect="1"/>
-          </p:cNvPicPr>
-          <p:nvPr/>
-        </p:nvPicPr>
-        <p:blipFill>
-          <a:blip r:embed="rId7">
-            <a:extLst>
-              <a:ext uri="{96DAC541-7B7A-43D3-8B79-37D633B846F1}">
-                <asvg:svgBlip xmlns:asvg="http://schemas.microsoft.com/office/drawing/2016/SVG/main" r:embed="rId8"/>
-              </a:ext>
-            </a:extLst>
-          </a:blip>
-          <a:stretch>
-            <a:fillRect/>
-          </a:stretch>
-        </p:blipFill>
-        <p:spPr>
-          <a:xfrm>
-            <a:off x="4687112" y="5751705"/>
-            <a:ext cx="914400" cy="914400"/>
+            <a:off x="11159976" y="5587887"/>
+            <a:ext cx="1209153" cy="1209153"/>
           </a:xfrm>
           <a:prstGeom prst="rect">
             <a:avLst/>
@@ -10610,338 +10510,6 @@
 </file>
 
 <file path=ppt/slides/slide8.xml><?xml version="1.0" encoding="utf-8"?>
-<p:sld xmlns:a="http://schemas.openxmlformats.org/drawingml/2006/main" xmlns:r="http://schemas.openxmlformats.org/officeDocument/2006/relationships" xmlns:p="http://schemas.openxmlformats.org/presentationml/2006/main">
-  <p:cSld>
-    <p:bg>
-      <p:bgPr>
-        <a:solidFill>
-          <a:schemeClr val="bg1"/>
-        </a:solidFill>
-        <a:effectLst/>
-      </p:bgPr>
-    </p:bg>
-    <p:spTree>
-      <p:nvGrpSpPr>
-        <p:cNvPr id="1" name=""/>
-        <p:cNvGrpSpPr/>
-        <p:nvPr/>
-      </p:nvGrpSpPr>
-      <p:grpSpPr>
-        <a:xfrm>
-          <a:off x="0" y="0"/>
-          <a:ext cx="0" cy="0"/>
-          <a:chOff x="0" y="0"/>
-          <a:chExt cx="0" cy="0"/>
-        </a:xfrm>
-      </p:grpSpPr>
-      <p:sp useBgFill="1">
-        <p:nvSpPr>
-          <p:cNvPr id="18" name="Rectángulo 17">
-            <a:extLst>
-              <a:ext uri="{FF2B5EF4-FFF2-40B4-BE49-F238E27FC236}">
-                <a16:creationId xmlns:a16="http://schemas.microsoft.com/office/drawing/2014/main" id="{0AF33C27-9C85-4B30-9AD7-879D48AFE4FF}"/>
-              </a:ext>
-              <a:ext uri="{C183D7F6-B498-43B3-948B-1728B52AA6E4}">
-                <adec:decorative xmlns:adec="http://schemas.microsoft.com/office/drawing/2017/decorative" val="1"/>
-              </a:ext>
-            </a:extLst>
-          </p:cNvPr>
-          <p:cNvSpPr>
-            <a:spLocks noGrp="1" noRot="1" noChangeAspect="1" noMove="1" noResize="1" noEditPoints="1" noAdjustHandles="1" noChangeArrowheads="1" noChangeShapeType="1" noTextEdit="1"/>
-          </p:cNvSpPr>
-          <p:nvPr>
-            <p:extLst>
-              <p:ext uri="{386F3935-93C4-4BCD-93E2-E3B085C9AB24}">
-                <p16:designElem xmlns:p16="http://schemas.microsoft.com/office/powerpoint/2015/main" val="1"/>
-              </p:ext>
-            </p:extLst>
-          </p:nvPr>
-        </p:nvSpPr>
-        <p:spPr>
-          <a:xfrm>
-            <a:off x="0" y="0"/>
-            <a:ext cx="12191999" cy="6858000"/>
-          </a:xfrm>
-          <a:prstGeom prst="rect">
-            <a:avLst/>
-          </a:prstGeom>
-          <a:ln>
-            <a:noFill/>
-          </a:ln>
-        </p:spPr>
-        <p:style>
-          <a:lnRef idx="2">
-            <a:schemeClr val="accent1">
-              <a:shade val="50000"/>
-            </a:schemeClr>
-          </a:lnRef>
-          <a:fillRef idx="1">
-            <a:schemeClr val="accent1"/>
-          </a:fillRef>
-          <a:effectRef idx="0">
-            <a:schemeClr val="accent1"/>
-          </a:effectRef>
-          <a:fontRef idx="minor">
-            <a:schemeClr val="lt1"/>
-          </a:fontRef>
-        </p:style>
-        <p:txBody>
-          <a:bodyPr rtlCol="0" anchor="ctr"/>
-          <a:lstStyle/>
-          <a:p>
-            <a:pPr algn="ctr" rtl="0"/>
-            <a:endParaRPr lang="es-ES" dirty="0"/>
-          </a:p>
-        </p:txBody>
-      </p:sp>
-      <p:sp>
-        <p:nvSpPr>
-          <p:cNvPr id="20" name="Rectángulo 19">
-            <a:extLst>
-              <a:ext uri="{FF2B5EF4-FFF2-40B4-BE49-F238E27FC236}">
-                <a16:creationId xmlns:a16="http://schemas.microsoft.com/office/drawing/2014/main" id="{6D5089DD-882D-4413-B8BF-4798BFD84A98}"/>
-              </a:ext>
-              <a:ext uri="{C183D7F6-B498-43B3-948B-1728B52AA6E4}">
-                <adec:decorative xmlns:adec="http://schemas.microsoft.com/office/drawing/2017/decorative" val="1"/>
-              </a:ext>
-            </a:extLst>
-          </p:cNvPr>
-          <p:cNvSpPr>
-            <a:spLocks noGrp="1" noRot="1" noChangeAspect="1" noMove="1" noResize="1" noEditPoints="1" noAdjustHandles="1" noChangeArrowheads="1" noChangeShapeType="1" noTextEdit="1"/>
-          </p:cNvSpPr>
-          <p:nvPr>
-            <p:extLst>
-              <p:ext uri="{386F3935-93C4-4BCD-93E2-E3B085C9AB24}">
-                <p16:designElem xmlns:p16="http://schemas.microsoft.com/office/powerpoint/2015/main" val="1"/>
-              </p:ext>
-            </p:extLst>
-          </p:nvPr>
-        </p:nvSpPr>
-        <p:spPr>
-          <a:xfrm>
-            <a:off x="7537704" y="0"/>
-            <a:ext cx="4654296" cy="6858000"/>
-          </a:xfrm>
-          <a:prstGeom prst="rect">
-            <a:avLst/>
-          </a:prstGeom>
-          <a:solidFill>
-            <a:schemeClr val="tx1">
-              <a:lumMod val="95000"/>
-              <a:lumOff val="5000"/>
-            </a:schemeClr>
-          </a:solidFill>
-          <a:ln>
-            <a:noFill/>
-          </a:ln>
-        </p:spPr>
-        <p:style>
-          <a:lnRef idx="2">
-            <a:schemeClr val="accent1">
-              <a:shade val="50000"/>
-            </a:schemeClr>
-          </a:lnRef>
-          <a:fillRef idx="1">
-            <a:schemeClr val="accent1"/>
-          </a:fillRef>
-          <a:effectRef idx="0">
-            <a:schemeClr val="accent1"/>
-          </a:effectRef>
-          <a:fontRef idx="minor">
-            <a:schemeClr val="lt1"/>
-          </a:fontRef>
-        </p:style>
-        <p:txBody>
-          <a:bodyPr rtlCol="0" anchor="ctr"/>
-          <a:lstStyle/>
-          <a:p>
-            <a:pPr algn="ctr" rtl="0"/>
-            <a:endParaRPr lang="es-ES" dirty="0"/>
-          </a:p>
-        </p:txBody>
-      </p:sp>
-      <p:sp>
-        <p:nvSpPr>
-          <p:cNvPr id="2" name="Título 1">
-            <a:extLst>
-              <a:ext uri="{FF2B5EF4-FFF2-40B4-BE49-F238E27FC236}">
-                <a16:creationId xmlns:a16="http://schemas.microsoft.com/office/drawing/2014/main" id="{8EB78894-19E5-4916-B37E-B4A80B9B8D52}"/>
-              </a:ext>
-            </a:extLst>
-          </p:cNvPr>
-          <p:cNvSpPr>
-            <a:spLocks noGrp="1"/>
-          </p:cNvSpPr>
-          <p:nvPr>
-            <p:ph type="title"/>
-          </p:nvPr>
-        </p:nvSpPr>
-        <p:spPr>
-          <a:xfrm>
-            <a:off x="8181171" y="2681103"/>
-            <a:ext cx="3363974" cy="1495794"/>
-          </a:xfrm>
-          <a:noFill/>
-          <a:ln>
-            <a:solidFill>
-              <a:srgbClr val="FFFFFF"/>
-            </a:solidFill>
-          </a:ln>
-          <a:effectLst>
-            <a:glow rad="152400">
-              <a:schemeClr val="bg1">
-                <a:alpha val="13000"/>
-              </a:schemeClr>
-            </a:glow>
-          </a:effectLst>
-        </p:spPr>
-        <p:txBody>
-          <a:bodyPr wrap="square" rtlCol="0">
-            <a:normAutofit/>
-          </a:bodyPr>
-          <a:lstStyle/>
-          <a:p>
-            <a:pPr rtl="0"/>
-            <a:r>
-              <a:rPr lang="es-ES" dirty="0">
-                <a:solidFill>
-                  <a:srgbClr val="FFFFFF"/>
-                </a:solidFill>
-              </a:rPr>
-              <a:t>Just Eats CR</a:t>
-            </a:r>
-          </a:p>
-        </p:txBody>
-      </p:sp>
-      <p:sp>
-        <p:nvSpPr>
-          <p:cNvPr id="19" name="Marcador de contenido 3">
-            <a:extLst>
-              <a:ext uri="{FF2B5EF4-FFF2-40B4-BE49-F238E27FC236}">
-                <a16:creationId xmlns:a16="http://schemas.microsoft.com/office/drawing/2014/main" id="{C7F18F7C-DE16-48AA-8598-8F96340925D1}"/>
-              </a:ext>
-            </a:extLst>
-          </p:cNvPr>
-          <p:cNvSpPr>
-            <a:spLocks noGrp="1"/>
-          </p:cNvSpPr>
-          <p:nvPr>
-            <p:ph idx="1"/>
-          </p:nvPr>
-        </p:nvSpPr>
-        <p:spPr>
-          <a:xfrm>
-            <a:off x="1091283" y="775301"/>
-            <a:ext cx="5355139" cy="1129317"/>
-          </a:xfrm>
-        </p:spPr>
-        <p:txBody>
-          <a:bodyPr rtlCol="0">
-            <a:noAutofit/>
-          </a:bodyPr>
-          <a:lstStyle/>
-          <a:p>
-            <a:pPr marL="0" indent="0" algn="ctr" rtl="0">
-              <a:buNone/>
-            </a:pPr>
-            <a:r>
-              <a:rPr lang="es-ES" sz="1600" b="1" dirty="0">
-                <a:latin typeface="Arial" panose="020B0604020202020204" pitchFamily="34" charset="0"/>
-                <a:cs typeface="Arial" panose="020B0604020202020204" pitchFamily="34" charset="0"/>
-              </a:rPr>
-              <a:t>¿Cómo está conformado el app?</a:t>
-            </a:r>
-          </a:p>
-          <a:p>
-            <a:pPr marL="0" indent="0" algn="ctr" rtl="0">
-              <a:buNone/>
-            </a:pPr>
-            <a:endParaRPr lang="es-ES" sz="1400" b="1" dirty="0">
-              <a:latin typeface="Arial" panose="020B0604020202020204" pitchFamily="34" charset="0"/>
-              <a:cs typeface="Arial" panose="020B0604020202020204" pitchFamily="34" charset="0"/>
-            </a:endParaRPr>
-          </a:p>
-          <a:p>
-            <a:pPr marL="228600" lvl="1" indent="0">
-              <a:buNone/>
-            </a:pPr>
-            <a:r>
-              <a:rPr lang="es-ES" sz="1400" dirty="0">
-                <a:latin typeface="Arial" panose="020B0604020202020204" pitchFamily="34" charset="0"/>
-                <a:cs typeface="Arial" panose="020B0604020202020204" pitchFamily="34" charset="0"/>
-              </a:rPr>
-              <a:t>En la parte técnica está conformado por 6 clases y el </a:t>
-            </a:r>
-            <a:r>
-              <a:rPr lang="es-ES" sz="1400" dirty="0" err="1">
-                <a:latin typeface="Arial" panose="020B0604020202020204" pitchFamily="34" charset="0"/>
-                <a:cs typeface="Arial" panose="020B0604020202020204" pitchFamily="34" charset="0"/>
-              </a:rPr>
-              <a:t>Main</a:t>
-            </a:r>
-            <a:r>
-              <a:rPr lang="es-ES" sz="1400" dirty="0">
-                <a:latin typeface="Arial" panose="020B0604020202020204" pitchFamily="34" charset="0"/>
-                <a:cs typeface="Arial" panose="020B0604020202020204" pitchFamily="34" charset="0"/>
-              </a:rPr>
-              <a:t>:</a:t>
-            </a:r>
-          </a:p>
-          <a:p>
-            <a:pPr marL="228600" lvl="1" indent="0">
-              <a:buNone/>
-            </a:pPr>
-            <a:endParaRPr lang="es-ES" sz="1400" dirty="0">
-              <a:latin typeface="Arial" panose="020B0604020202020204" pitchFamily="34" charset="0"/>
-              <a:cs typeface="Arial" panose="020B0604020202020204" pitchFamily="34" charset="0"/>
-            </a:endParaRPr>
-          </a:p>
-        </p:txBody>
-      </p:sp>
-      <p:pic>
-        <p:nvPicPr>
-          <p:cNvPr id="17" name="Imagen 16">
-            <a:extLst>
-              <a:ext uri="{FF2B5EF4-FFF2-40B4-BE49-F238E27FC236}">
-                <a16:creationId xmlns:a16="http://schemas.microsoft.com/office/drawing/2014/main" id="{A59A4BAA-B090-4709-B544-4B03A6AE99B3}"/>
-              </a:ext>
-            </a:extLst>
-          </p:cNvPr>
-          <p:cNvPicPr>
-            <a:picLocks noChangeAspect="1"/>
-          </p:cNvPicPr>
-          <p:nvPr/>
-        </p:nvPicPr>
-        <p:blipFill>
-          <a:blip r:embed="rId3"/>
-          <a:stretch>
-            <a:fillRect/>
-          </a:stretch>
-        </p:blipFill>
-        <p:spPr>
-          <a:xfrm>
-            <a:off x="1036965" y="1904618"/>
-            <a:ext cx="5725377" cy="4190616"/>
-          </a:xfrm>
-          <a:prstGeom prst="rect">
-            <a:avLst/>
-          </a:prstGeom>
-        </p:spPr>
-      </p:pic>
-    </p:spTree>
-    <p:extLst>
-      <p:ext uri="{BB962C8B-B14F-4D97-AF65-F5344CB8AC3E}">
-        <p14:creationId xmlns:p14="http://schemas.microsoft.com/office/powerpoint/2010/main" val="790576554"/>
-      </p:ext>
-    </p:extLst>
-  </p:cSld>
-  <p:clrMapOvr>
-    <a:masterClrMapping/>
-  </p:clrMapOvr>
-</p:sld>
-</file>
-
-<file path=ppt/slides/slide9.xml><?xml version="1.0" encoding="utf-8"?>
 <p:sld xmlns:a="http://schemas.openxmlformats.org/drawingml/2006/main" xmlns:r="http://schemas.openxmlformats.org/officeDocument/2006/relationships" xmlns:p="http://schemas.openxmlformats.org/presentationml/2006/main">
   <p:cSld>
     <p:bg>
@@ -11854,23 +11422,6 @@
 </file>
 
 <file path=customXml/item1.xml><?xml version="1.0" encoding="utf-8"?>
-<p:properties xmlns:p="http://schemas.microsoft.com/office/2006/metadata/properties" xmlns:xsi="http://www.w3.org/2001/XMLSchema-instance" xmlns:pc="http://schemas.microsoft.com/office/infopath/2007/PartnerControls">
-  <documentManagement>
-    <MediaServiceKeyPoints xmlns="71af3243-3dd4-4a8d-8c0d-dd76da1f02a5" xsi:nil="true"/>
-  </documentManagement>
-</p:properties>
-</file>
-
-<file path=customXml/item2.xml><?xml version="1.0" encoding="utf-8"?>
-<?mso-contentType ?>
-<FormTemplates xmlns="http://schemas.microsoft.com/sharepoint/v3/contenttype/forms">
-  <Display>DocumentLibraryForm</Display>
-  <Edit>DocumentLibraryForm</Edit>
-  <New>DocumentLibraryForm</New>
-</FormTemplates>
-</file>
-
-<file path=customXml/item3.xml><?xml version="1.0" encoding="utf-8"?>
 <ct:contentTypeSchema xmlns:ct="http://schemas.microsoft.com/office/2006/metadata/contentType" xmlns:ma="http://schemas.microsoft.com/office/2006/metadata/properties/metaAttributes" ct:_="" ma:_="" ma:contentTypeName="Document" ma:contentTypeID="0x01010079F111ED35F8CC479449609E8A0923A6" ma:contentTypeVersion="11" ma:contentTypeDescription="Create a new document." ma:contentTypeScope="" ma:versionID="1c2eb7a32e66fb6e4260f3771546a5e2">
   <xsd:schema xmlns:xsd="http://www.w3.org/2001/XMLSchema" xmlns:xs="http://www.w3.org/2001/XMLSchema" xmlns:p="http://schemas.microsoft.com/office/2006/metadata/properties" xmlns:ns2="71af3243-3dd4-4a8d-8c0d-dd76da1f02a5" xmlns:ns3="16c05727-aa75-4e4a-9b5f-8a80a1165891" targetNamespace="http://schemas.microsoft.com/office/2006/metadata/properties" ma:root="true" ma:fieldsID="04e1f6479c48b08974ba73b5ca973489" ns2:_="" ns3:_="">
     <xsd:import namespace="71af3243-3dd4-4a8d-8c0d-dd76da1f02a5"/>
@@ -12081,25 +11632,24 @@
 </ct:contentTypeSchema>
 </file>
 
-<file path=customXml/itemProps1.xml><?xml version="1.0" encoding="utf-8"?>
-<ds:datastoreItem xmlns:ds="http://schemas.openxmlformats.org/officeDocument/2006/customXml" ds:itemID="{620ED59B-F67D-4B99-A0A7-E5237FF58100}">
-  <ds:schemaRefs>
-    <ds:schemaRef ds:uri="http://schemas.microsoft.com/office/2006/metadata/properties"/>
-    <ds:schemaRef ds:uri="http://schemas.microsoft.com/office/infopath/2007/PartnerControls"/>
-    <ds:schemaRef ds:uri="71af3243-3dd4-4a8d-8c0d-dd76da1f02a5"/>
-  </ds:schemaRefs>
-</ds:datastoreItem>
+<file path=customXml/item2.xml><?xml version="1.0" encoding="utf-8"?>
+<?mso-contentType ?>
+<FormTemplates xmlns="http://schemas.microsoft.com/sharepoint/v3/contenttype/forms">
+  <Display>DocumentLibraryForm</Display>
+  <Edit>DocumentLibraryForm</Edit>
+  <New>DocumentLibraryForm</New>
+</FormTemplates>
 </file>
 
-<file path=customXml/itemProps2.xml><?xml version="1.0" encoding="utf-8"?>
-<ds:datastoreItem xmlns:ds="http://schemas.openxmlformats.org/officeDocument/2006/customXml" ds:itemID="{3E17AD15-0DEB-4851-82A2-261C041346DD}">
-  <ds:schemaRefs>
-    <ds:schemaRef ds:uri="http://schemas.microsoft.com/sharepoint/v3/contenttype/forms"/>
-  </ds:schemaRefs>
-</ds:datastoreItem>
+<file path=customXml/item3.xml><?xml version="1.0" encoding="utf-8"?>
+<p:properties xmlns:p="http://schemas.microsoft.com/office/2006/metadata/properties" xmlns:xsi="http://www.w3.org/2001/XMLSchema-instance" xmlns:pc="http://schemas.microsoft.com/office/infopath/2007/PartnerControls">
+  <documentManagement>
+    <MediaServiceKeyPoints xmlns="71af3243-3dd4-4a8d-8c0d-dd76da1f02a5" xsi:nil="true"/>
+  </documentManagement>
+</p:properties>
 </file>
 
-<file path=customXml/itemProps3.xml><?xml version="1.0" encoding="utf-8"?>
+<file path=customXml/itemProps1.xml><?xml version="1.0" encoding="utf-8"?>
 <ds:datastoreItem xmlns:ds="http://schemas.openxmlformats.org/officeDocument/2006/customXml" ds:itemID="{22736BCB-6CE4-414B-B2BE-1DA087E5215C}">
   <ds:schemaRefs>
     <ds:schemaRef ds:uri="http://schemas.microsoft.com/office/2006/metadata/contentType"/>
@@ -12116,4 +11666,22 @@
     <ds:schemaRef ds:uri="http://schemas.microsoft.com/internal/obd"/>
   </ds:schemaRefs>
 </ds:datastoreItem>
+</file>
+
+<file path=customXml/itemProps2.xml><?xml version="1.0" encoding="utf-8"?>
+<ds:datastoreItem xmlns:ds="http://schemas.openxmlformats.org/officeDocument/2006/customXml" ds:itemID="{3E17AD15-0DEB-4851-82A2-261C041346DD}">
+  <ds:schemaRefs>
+    <ds:schemaRef ds:uri="http://schemas.microsoft.com/sharepoint/v3/contenttype/forms"/>
+  </ds:schemaRefs>
+</ds:datastoreItem>
+</file>
+
+<file path=customXml/itemProps3.xml><?xml version="1.0" encoding="utf-8"?>
+<ds:datastoreItem xmlns:ds="http://schemas.openxmlformats.org/officeDocument/2006/customXml" ds:itemID="{620ED59B-F67D-4B99-A0A7-E5237FF58100}">
+  <ds:schemaRefs>
+    <ds:schemaRef ds:uri="http://schemas.microsoft.com/office/2006/metadata/properties"/>
+    <ds:schemaRef ds:uri="http://schemas.microsoft.com/office/infopath/2007/PartnerControls"/>
+    <ds:schemaRef ds:uri="71af3243-3dd4-4a8d-8c0d-dd76da1f02a5"/>
+  </ds:schemaRefs>
+</ds:datastoreItem>
 </file>